--- a/Algorithms/Common/Network.pptx
+++ b/Algorithms/Common/Network.pptx
@@ -6,6 +6,8 @@
   </p:sldMasterIdLst>
   <p:sldIdLst>
     <p:sldId id="256" r:id="rId2"/>
+    <p:sldId id="257" r:id="rId3"/>
+    <p:sldId id="258" r:id="rId4"/>
   </p:sldIdLst>
   <p:sldSz cx="9144000" cy="6858000" type="screen4x3"/>
   <p:notesSz cx="6858000" cy="9144000"/>
@@ -289,7 +291,7 @@
             <a:fld id="{98BED238-A072-4D15-8960-7502FCAD76F9}" type="datetimeFigureOut">
               <a:rPr lang="de-DE" smtClean="0"/>
               <a:pPr/>
-              <a:t>21.11.2024</a:t>
+              <a:t>23.11.2024</a:t>
             </a:fld>
             <a:endParaRPr lang="de-DE"/>
           </a:p>
@@ -456,7 +458,7 @@
             <a:fld id="{98BED238-A072-4D15-8960-7502FCAD76F9}" type="datetimeFigureOut">
               <a:rPr lang="de-DE" smtClean="0"/>
               <a:pPr/>
-              <a:t>21.11.2024</a:t>
+              <a:t>23.11.2024</a:t>
             </a:fld>
             <a:endParaRPr lang="de-DE"/>
           </a:p>
@@ -633,7 +635,7 @@
             <a:fld id="{98BED238-A072-4D15-8960-7502FCAD76F9}" type="datetimeFigureOut">
               <a:rPr lang="de-DE" smtClean="0"/>
               <a:pPr/>
-              <a:t>21.11.2024</a:t>
+              <a:t>23.11.2024</a:t>
             </a:fld>
             <a:endParaRPr lang="de-DE"/>
           </a:p>
@@ -800,7 +802,7 @@
             <a:fld id="{98BED238-A072-4D15-8960-7502FCAD76F9}" type="datetimeFigureOut">
               <a:rPr lang="de-DE" smtClean="0"/>
               <a:pPr/>
-              <a:t>21.11.2024</a:t>
+              <a:t>23.11.2024</a:t>
             </a:fld>
             <a:endParaRPr lang="de-DE"/>
           </a:p>
@@ -1043,7 +1045,7 @@
             <a:fld id="{98BED238-A072-4D15-8960-7502FCAD76F9}" type="datetimeFigureOut">
               <a:rPr lang="de-DE" smtClean="0"/>
               <a:pPr/>
-              <a:t>21.11.2024</a:t>
+              <a:t>23.11.2024</a:t>
             </a:fld>
             <a:endParaRPr lang="de-DE"/>
           </a:p>
@@ -1328,7 +1330,7 @@
             <a:fld id="{98BED238-A072-4D15-8960-7502FCAD76F9}" type="datetimeFigureOut">
               <a:rPr lang="de-DE" smtClean="0"/>
               <a:pPr/>
-              <a:t>21.11.2024</a:t>
+              <a:t>23.11.2024</a:t>
             </a:fld>
             <a:endParaRPr lang="de-DE"/>
           </a:p>
@@ -1747,7 +1749,7 @@
             <a:fld id="{98BED238-A072-4D15-8960-7502FCAD76F9}" type="datetimeFigureOut">
               <a:rPr lang="de-DE" smtClean="0"/>
               <a:pPr/>
-              <a:t>21.11.2024</a:t>
+              <a:t>23.11.2024</a:t>
             </a:fld>
             <a:endParaRPr lang="de-DE"/>
           </a:p>
@@ -1862,7 +1864,7 @@
             <a:fld id="{98BED238-A072-4D15-8960-7502FCAD76F9}" type="datetimeFigureOut">
               <a:rPr lang="de-DE" smtClean="0"/>
               <a:pPr/>
-              <a:t>21.11.2024</a:t>
+              <a:t>23.11.2024</a:t>
             </a:fld>
             <a:endParaRPr lang="de-DE"/>
           </a:p>
@@ -1954,7 +1956,7 @@
             <a:fld id="{98BED238-A072-4D15-8960-7502FCAD76F9}" type="datetimeFigureOut">
               <a:rPr lang="de-DE" smtClean="0"/>
               <a:pPr/>
-              <a:t>21.11.2024</a:t>
+              <a:t>23.11.2024</a:t>
             </a:fld>
             <a:endParaRPr lang="de-DE"/>
           </a:p>
@@ -2228,7 +2230,7 @@
             <a:fld id="{98BED238-A072-4D15-8960-7502FCAD76F9}" type="datetimeFigureOut">
               <a:rPr lang="de-DE" smtClean="0"/>
               <a:pPr/>
-              <a:t>21.11.2024</a:t>
+              <a:t>23.11.2024</a:t>
             </a:fld>
             <a:endParaRPr lang="de-DE"/>
           </a:p>
@@ -2478,7 +2480,7 @@
             <a:fld id="{98BED238-A072-4D15-8960-7502FCAD76F9}" type="datetimeFigureOut">
               <a:rPr lang="de-DE" smtClean="0"/>
               <a:pPr/>
-              <a:t>21.11.2024</a:t>
+              <a:t>23.11.2024</a:t>
             </a:fld>
             <a:endParaRPr lang="de-DE"/>
           </a:p>
@@ -2688,7 +2690,7 @@
             <a:fld id="{98BED238-A072-4D15-8960-7502FCAD76F9}" type="datetimeFigureOut">
               <a:rPr lang="de-DE" smtClean="0"/>
               <a:pPr/>
-              <a:t>21.11.2024</a:t>
+              <a:t>23.11.2024</a:t>
             </a:fld>
             <a:endParaRPr lang="de-DE"/>
           </a:p>
@@ -3326,13 +3328,8 @@
             <a:p>
               <a:r>
                 <a:rPr lang="de-DE" sz="2800" dirty="0" smtClean="0"/>
-                <a:t> </a:t>
+                <a:t> f</a:t>
               </a:r>
-              <a:r>
-                <a:rPr lang="de-DE" sz="2800" dirty="0" smtClean="0"/>
-                <a:t>f</a:t>
-              </a:r>
-              <a:endParaRPr lang="de-DE" sz="2800" dirty="0" smtClean="0"/>
             </a:p>
           </p:txBody>
         </p:sp>
@@ -4580,6 +4577,3275 @@
           </p:txBody>
         </p:sp>
       </p:grpSp>
+    </p:spTree>
+  </p:cSld>
+  <p:clrMapOvr>
+    <a:masterClrMapping/>
+  </p:clrMapOvr>
+</p:sld>
+</file>
+
+<file path=ppt/slides/slide2.xml><?xml version="1.0" encoding="utf-8"?>
+<p:sld xmlns:a="http://schemas.openxmlformats.org/drawingml/2006/main" xmlns:r="http://schemas.openxmlformats.org/officeDocument/2006/relationships" xmlns:p="http://schemas.openxmlformats.org/presentationml/2006/main">
+  <p:cSld>
+    <p:spTree>
+      <p:nvGrpSpPr>
+        <p:cNvPr id="1" name=""/>
+        <p:cNvGrpSpPr/>
+        <p:nvPr/>
+      </p:nvGrpSpPr>
+      <p:grpSpPr>
+        <a:xfrm>
+          <a:off x="0" y="0"/>
+          <a:ext cx="0" cy="0"/>
+          <a:chOff x="0" y="0"/>
+          <a:chExt cx="0" cy="0"/>
+        </a:xfrm>
+      </p:grpSpPr>
+      <p:grpSp>
+        <p:nvGrpSpPr>
+          <p:cNvPr id="2" name="Gruppieren 93"/>
+          <p:cNvGrpSpPr/>
+          <p:nvPr/>
+        </p:nvGrpSpPr>
+        <p:grpSpPr>
+          <a:xfrm>
+            <a:off x="1475656" y="2132856"/>
+            <a:ext cx="5496261" cy="2601580"/>
+            <a:chOff x="971600" y="1988840"/>
+            <a:chExt cx="5496261" cy="2601580"/>
+          </a:xfrm>
+        </p:grpSpPr>
+        <p:sp>
+          <p:nvSpPr>
+            <p:cNvPr id="4" name="Ellipse 3"/>
+            <p:cNvSpPr/>
+            <p:nvPr/>
+          </p:nvSpPr>
+          <p:spPr>
+            <a:xfrm>
+              <a:off x="3779911" y="2708920"/>
+              <a:ext cx="678877" cy="648072"/>
+            </a:xfrm>
+            <a:prstGeom prst="ellipse">
+              <a:avLst/>
+            </a:prstGeom>
+            <a:noFill/>
+            <a:ln w="19050">
+              <a:solidFill>
+                <a:schemeClr val="tx1"/>
+              </a:solidFill>
+            </a:ln>
+          </p:spPr>
+          <p:style>
+            <a:lnRef idx="2">
+              <a:schemeClr val="accent1">
+                <a:shade val="50000"/>
+              </a:schemeClr>
+            </a:lnRef>
+            <a:fillRef idx="1">
+              <a:schemeClr val="accent1"/>
+            </a:fillRef>
+            <a:effectRef idx="0">
+              <a:schemeClr val="accent1"/>
+            </a:effectRef>
+            <a:fontRef idx="minor">
+              <a:schemeClr val="lt1"/>
+            </a:fontRef>
+          </p:style>
+          <p:txBody>
+            <a:bodyPr rtlCol="0" anchor="ctr"/>
+            <a:lstStyle/>
+            <a:p>
+              <a:pPr algn="ctr"/>
+              <a:endParaRPr lang="de-DE"/>
+            </a:p>
+          </p:txBody>
+        </p:sp>
+        <p:sp>
+          <p:nvSpPr>
+            <p:cNvPr id="6" name="Textfeld 5"/>
+            <p:cNvSpPr txBox="1"/>
+            <p:nvPr/>
+          </p:nvSpPr>
+          <p:spPr>
+            <a:xfrm>
+              <a:off x="2051720" y="1988840"/>
+              <a:ext cx="504056" cy="369332"/>
+            </a:xfrm>
+            <a:prstGeom prst="rect">
+              <a:avLst/>
+            </a:prstGeom>
+            <a:noFill/>
+            <a:ln w="19050">
+              <a:solidFill>
+                <a:schemeClr val="tx1"/>
+              </a:solidFill>
+            </a:ln>
+          </p:spPr>
+          <p:txBody>
+            <a:bodyPr wrap="square" rtlCol="0" anchor="ctr" anchorCtr="0">
+              <a:spAutoFit/>
+            </a:bodyPr>
+            <a:lstStyle/>
+            <a:p>
+              <a:r>
+                <a:rPr lang="de-DE" dirty="0" smtClean="0"/>
+                <a:t>W</a:t>
+              </a:r>
+              <a:r>
+                <a:rPr lang="de-DE" baseline="-25000" dirty="0" smtClean="0"/>
+                <a:t>0</a:t>
+              </a:r>
+            </a:p>
+          </p:txBody>
+        </p:sp>
+        <p:sp>
+          <p:nvSpPr>
+            <p:cNvPr id="7" name="Textfeld 6"/>
+            <p:cNvSpPr txBox="1"/>
+            <p:nvPr/>
+          </p:nvSpPr>
+          <p:spPr>
+            <a:xfrm>
+              <a:off x="2051720" y="2564904"/>
+              <a:ext cx="504056" cy="369332"/>
+            </a:xfrm>
+            <a:prstGeom prst="rect">
+              <a:avLst/>
+            </a:prstGeom>
+            <a:noFill/>
+            <a:ln w="19050">
+              <a:solidFill>
+                <a:schemeClr val="tx1"/>
+              </a:solidFill>
+            </a:ln>
+          </p:spPr>
+          <p:txBody>
+            <a:bodyPr wrap="square" rtlCol="0" anchor="ctr" anchorCtr="0">
+              <a:spAutoFit/>
+            </a:bodyPr>
+            <a:lstStyle/>
+            <a:p>
+              <a:r>
+                <a:rPr lang="de-DE" dirty="0" smtClean="0"/>
+                <a:t>W</a:t>
+              </a:r>
+              <a:r>
+                <a:rPr lang="de-DE" baseline="-25000" dirty="0" smtClean="0"/>
+                <a:t>1</a:t>
+              </a:r>
+            </a:p>
+          </p:txBody>
+        </p:sp>
+        <p:sp>
+          <p:nvSpPr>
+            <p:cNvPr id="8" name="Textfeld 7"/>
+            <p:cNvSpPr txBox="1"/>
+            <p:nvPr/>
+          </p:nvSpPr>
+          <p:spPr>
+            <a:xfrm>
+              <a:off x="2051720" y="3429000"/>
+              <a:ext cx="504056" cy="369332"/>
+            </a:xfrm>
+            <a:prstGeom prst="rect">
+              <a:avLst/>
+            </a:prstGeom>
+            <a:noFill/>
+            <a:ln w="19050">
+              <a:solidFill>
+                <a:schemeClr val="tx1"/>
+              </a:solidFill>
+            </a:ln>
+          </p:spPr>
+          <p:txBody>
+            <a:bodyPr wrap="square" rtlCol="0" anchor="ctr" anchorCtr="0">
+              <a:spAutoFit/>
+            </a:bodyPr>
+            <a:lstStyle/>
+            <a:p>
+              <a:r>
+                <a:rPr lang="de-DE" dirty="0" smtClean="0"/>
+                <a:t>W</a:t>
+              </a:r>
+              <a:r>
+                <a:rPr lang="de-DE" baseline="-25000" dirty="0" smtClean="0"/>
+                <a:t>n</a:t>
+              </a:r>
+            </a:p>
+          </p:txBody>
+        </p:sp>
+        <p:sp>
+          <p:nvSpPr>
+            <p:cNvPr id="9" name="Textfeld 8"/>
+            <p:cNvSpPr txBox="1"/>
+            <p:nvPr/>
+          </p:nvSpPr>
+          <p:spPr>
+            <a:xfrm>
+              <a:off x="2051720" y="4221088"/>
+              <a:ext cx="360040" cy="369332"/>
+            </a:xfrm>
+            <a:prstGeom prst="rect">
+              <a:avLst/>
+            </a:prstGeom>
+            <a:noFill/>
+            <a:ln w="19050">
+              <a:solidFill>
+                <a:schemeClr val="tx1"/>
+              </a:solidFill>
+            </a:ln>
+          </p:spPr>
+          <p:txBody>
+            <a:bodyPr wrap="square" rtlCol="0" anchor="ctr" anchorCtr="0">
+              <a:spAutoFit/>
+            </a:bodyPr>
+            <a:lstStyle/>
+            <a:p>
+              <a:r>
+                <a:rPr lang="de-DE" dirty="0" smtClean="0"/>
+                <a:t> b</a:t>
+              </a:r>
+            </a:p>
+          </p:txBody>
+        </p:sp>
+        <p:sp>
+          <p:nvSpPr>
+            <p:cNvPr id="10" name="Textfeld 9"/>
+            <p:cNvSpPr txBox="1"/>
+            <p:nvPr/>
+          </p:nvSpPr>
+          <p:spPr>
+            <a:xfrm>
+              <a:off x="3951219" y="2733301"/>
+              <a:ext cx="325730" cy="523220"/>
+            </a:xfrm>
+            <a:prstGeom prst="rect">
+              <a:avLst/>
+            </a:prstGeom>
+            <a:noFill/>
+          </p:spPr>
+          <p:txBody>
+            <a:bodyPr wrap="none" rtlCol="0">
+              <a:spAutoFit/>
+            </a:bodyPr>
+            <a:lstStyle/>
+            <a:p>
+              <a:r>
+                <a:rPr lang="de-DE" sz="2800" dirty="0" smtClean="0"/>
+                <a:t>z</a:t>
+              </a:r>
+              <a:endParaRPr lang="de-DE" sz="2800" dirty="0"/>
+            </a:p>
+          </p:txBody>
+        </p:sp>
+        <p:sp>
+          <p:nvSpPr>
+            <p:cNvPr id="11" name="Textfeld 10"/>
+            <p:cNvSpPr txBox="1"/>
+            <p:nvPr/>
+          </p:nvSpPr>
+          <p:spPr>
+            <a:xfrm>
+              <a:off x="5004048" y="2772219"/>
+              <a:ext cx="504056" cy="523220"/>
+            </a:xfrm>
+            <a:prstGeom prst="rect">
+              <a:avLst/>
+            </a:prstGeom>
+            <a:noFill/>
+            <a:ln w="19050">
+              <a:solidFill>
+                <a:schemeClr val="tx1"/>
+              </a:solidFill>
+            </a:ln>
+          </p:spPr>
+          <p:txBody>
+            <a:bodyPr wrap="square" rtlCol="0" anchor="ctr" anchorCtr="0">
+              <a:spAutoFit/>
+            </a:bodyPr>
+            <a:lstStyle/>
+            <a:p>
+              <a:r>
+                <a:rPr lang="de-DE" sz="2800" dirty="0" smtClean="0"/>
+                <a:t> f</a:t>
+              </a:r>
+            </a:p>
+          </p:txBody>
+        </p:sp>
+        <p:cxnSp>
+          <p:nvCxnSpPr>
+            <p:cNvPr id="20" name="Gerade Verbindung 19"/>
+            <p:cNvCxnSpPr>
+              <a:stCxn id="6" idx="3"/>
+              <a:endCxn id="4" idx="2"/>
+            </p:cNvCxnSpPr>
+            <p:nvPr/>
+          </p:nvCxnSpPr>
+          <p:spPr>
+            <a:xfrm>
+              <a:off x="2555776" y="2173506"/>
+              <a:ext cx="1224135" cy="859450"/>
+            </a:xfrm>
+            <a:prstGeom prst="line">
+              <a:avLst/>
+            </a:prstGeom>
+            <a:ln w="19050">
+              <a:solidFill>
+                <a:schemeClr val="tx1"/>
+              </a:solidFill>
+            </a:ln>
+          </p:spPr>
+          <p:style>
+            <a:lnRef idx="1">
+              <a:schemeClr val="accent1"/>
+            </a:lnRef>
+            <a:fillRef idx="0">
+              <a:schemeClr val="accent1"/>
+            </a:fillRef>
+            <a:effectRef idx="0">
+              <a:schemeClr val="accent1"/>
+            </a:effectRef>
+            <a:fontRef idx="minor">
+              <a:schemeClr val="tx1"/>
+            </a:fontRef>
+          </p:style>
+        </p:cxnSp>
+        <p:cxnSp>
+          <p:nvCxnSpPr>
+            <p:cNvPr id="23" name="Gerade Verbindung 22"/>
+            <p:cNvCxnSpPr>
+              <a:stCxn id="7" idx="3"/>
+              <a:endCxn id="4" idx="2"/>
+            </p:cNvCxnSpPr>
+            <p:nvPr/>
+          </p:nvCxnSpPr>
+          <p:spPr>
+            <a:xfrm>
+              <a:off x="2555776" y="2749570"/>
+              <a:ext cx="1224135" cy="283386"/>
+            </a:xfrm>
+            <a:prstGeom prst="line">
+              <a:avLst/>
+            </a:prstGeom>
+            <a:ln w="19050">
+              <a:solidFill>
+                <a:schemeClr val="tx1"/>
+              </a:solidFill>
+            </a:ln>
+          </p:spPr>
+          <p:style>
+            <a:lnRef idx="1">
+              <a:schemeClr val="accent1"/>
+            </a:lnRef>
+            <a:fillRef idx="0">
+              <a:schemeClr val="accent1"/>
+            </a:fillRef>
+            <a:effectRef idx="0">
+              <a:schemeClr val="accent1"/>
+            </a:effectRef>
+            <a:fontRef idx="minor">
+              <a:schemeClr val="tx1"/>
+            </a:fontRef>
+          </p:style>
+        </p:cxnSp>
+        <p:cxnSp>
+          <p:nvCxnSpPr>
+            <p:cNvPr id="25" name="Gerade Verbindung 24"/>
+            <p:cNvCxnSpPr>
+              <a:stCxn id="8" idx="3"/>
+              <a:endCxn id="4" idx="2"/>
+            </p:cNvCxnSpPr>
+            <p:nvPr/>
+          </p:nvCxnSpPr>
+          <p:spPr>
+            <a:xfrm flipV="1">
+              <a:off x="2555776" y="3032956"/>
+              <a:ext cx="1224135" cy="580710"/>
+            </a:xfrm>
+            <a:prstGeom prst="line">
+              <a:avLst/>
+            </a:prstGeom>
+            <a:ln w="19050">
+              <a:solidFill>
+                <a:schemeClr val="tx1"/>
+              </a:solidFill>
+            </a:ln>
+          </p:spPr>
+          <p:style>
+            <a:lnRef idx="1">
+              <a:schemeClr val="accent1"/>
+            </a:lnRef>
+            <a:fillRef idx="0">
+              <a:schemeClr val="accent1"/>
+            </a:fillRef>
+            <a:effectRef idx="0">
+              <a:schemeClr val="accent1"/>
+            </a:effectRef>
+            <a:fontRef idx="minor">
+              <a:schemeClr val="tx1"/>
+            </a:fontRef>
+          </p:style>
+        </p:cxnSp>
+        <p:sp>
+          <p:nvSpPr>
+            <p:cNvPr id="27" name="Textfeld 26"/>
+            <p:cNvSpPr txBox="1"/>
+            <p:nvPr/>
+          </p:nvSpPr>
+          <p:spPr>
+            <a:xfrm>
+              <a:off x="2195736" y="2852936"/>
+              <a:ext cx="216024" cy="553998"/>
+            </a:xfrm>
+            <a:prstGeom prst="rect">
+              <a:avLst/>
+            </a:prstGeom>
+            <a:noFill/>
+          </p:spPr>
+          <p:txBody>
+            <a:bodyPr wrap="square" rtlCol="0">
+              <a:spAutoFit/>
+            </a:bodyPr>
+            <a:lstStyle/>
+            <a:p>
+              <a:r>
+                <a:rPr lang="de-DE" sz="1000" b="1" dirty="0" smtClean="0"/>
+                <a:t>.</a:t>
+              </a:r>
+            </a:p>
+            <a:p>
+              <a:r>
+                <a:rPr lang="de-DE" sz="1000" b="1" dirty="0" smtClean="0"/>
+                <a:t>.</a:t>
+              </a:r>
+            </a:p>
+            <a:p>
+              <a:r>
+                <a:rPr lang="de-DE" sz="1000" b="1" dirty="0" smtClean="0"/>
+                <a:t>.</a:t>
+              </a:r>
+              <a:endParaRPr lang="de-DE" sz="1000" b="1" dirty="0"/>
+            </a:p>
+          </p:txBody>
+        </p:sp>
+        <p:cxnSp>
+          <p:nvCxnSpPr>
+            <p:cNvPr id="28" name="Gerade Verbindung 27"/>
+            <p:cNvCxnSpPr>
+              <a:stCxn id="4" idx="6"/>
+              <a:endCxn id="11" idx="1"/>
+            </p:cNvCxnSpPr>
+            <p:nvPr/>
+          </p:nvCxnSpPr>
+          <p:spPr>
+            <a:xfrm>
+              <a:off x="4458788" y="3032956"/>
+              <a:ext cx="545260" cy="873"/>
+            </a:xfrm>
+            <a:prstGeom prst="line">
+              <a:avLst/>
+            </a:prstGeom>
+            <a:ln w="19050">
+              <a:solidFill>
+                <a:schemeClr val="tx1"/>
+              </a:solidFill>
+            </a:ln>
+          </p:spPr>
+          <p:style>
+            <a:lnRef idx="1">
+              <a:schemeClr val="accent1"/>
+            </a:lnRef>
+            <a:fillRef idx="0">
+              <a:schemeClr val="accent1"/>
+            </a:fillRef>
+            <a:effectRef idx="0">
+              <a:schemeClr val="accent1"/>
+            </a:effectRef>
+            <a:fontRef idx="minor">
+              <a:schemeClr val="tx1"/>
+            </a:fontRef>
+          </p:style>
+        </p:cxnSp>
+        <p:cxnSp>
+          <p:nvCxnSpPr>
+            <p:cNvPr id="31" name="Gerade Verbindung 30"/>
+            <p:cNvCxnSpPr>
+              <a:endCxn id="4" idx="2"/>
+            </p:cNvCxnSpPr>
+            <p:nvPr/>
+          </p:nvCxnSpPr>
+          <p:spPr>
+            <a:xfrm flipV="1">
+              <a:off x="2411760" y="3032956"/>
+              <a:ext cx="1368151" cy="1368152"/>
+            </a:xfrm>
+            <a:prstGeom prst="line">
+              <a:avLst/>
+            </a:prstGeom>
+            <a:ln w="19050">
+              <a:solidFill>
+                <a:schemeClr val="tx1"/>
+              </a:solidFill>
+            </a:ln>
+          </p:spPr>
+          <p:style>
+            <a:lnRef idx="1">
+              <a:schemeClr val="accent1"/>
+            </a:lnRef>
+            <a:fillRef idx="0">
+              <a:schemeClr val="accent1"/>
+            </a:fillRef>
+            <a:effectRef idx="0">
+              <a:schemeClr val="accent1"/>
+            </a:effectRef>
+            <a:fontRef idx="minor">
+              <a:schemeClr val="tx1"/>
+            </a:fontRef>
+          </p:style>
+        </p:cxnSp>
+        <p:cxnSp>
+          <p:nvCxnSpPr>
+            <p:cNvPr id="44" name="Gerade Verbindung 43"/>
+            <p:cNvCxnSpPr/>
+            <p:nvPr/>
+          </p:nvCxnSpPr>
+          <p:spPr>
+            <a:xfrm>
+              <a:off x="1619672" y="2178737"/>
+              <a:ext cx="432048" cy="0"/>
+            </a:xfrm>
+            <a:prstGeom prst="line">
+              <a:avLst/>
+            </a:prstGeom>
+            <a:ln w="19050">
+              <a:solidFill>
+                <a:schemeClr val="tx1"/>
+              </a:solidFill>
+              <a:headEnd type="oval"/>
+            </a:ln>
+          </p:spPr>
+          <p:style>
+            <a:lnRef idx="1">
+              <a:schemeClr val="accent1"/>
+            </a:lnRef>
+            <a:fillRef idx="0">
+              <a:schemeClr val="accent1"/>
+            </a:fillRef>
+            <a:effectRef idx="0">
+              <a:schemeClr val="accent1"/>
+            </a:effectRef>
+            <a:fontRef idx="minor">
+              <a:schemeClr val="tx1"/>
+            </a:fontRef>
+          </p:style>
+        </p:cxnSp>
+        <p:cxnSp>
+          <p:nvCxnSpPr>
+            <p:cNvPr id="46" name="Gerade Verbindung 45"/>
+            <p:cNvCxnSpPr/>
+            <p:nvPr/>
+          </p:nvCxnSpPr>
+          <p:spPr>
+            <a:xfrm>
+              <a:off x="1619672" y="2746092"/>
+              <a:ext cx="432048" cy="0"/>
+            </a:xfrm>
+            <a:prstGeom prst="line">
+              <a:avLst/>
+            </a:prstGeom>
+            <a:ln w="19050">
+              <a:solidFill>
+                <a:schemeClr val="tx1"/>
+              </a:solidFill>
+              <a:headEnd type="oval"/>
+            </a:ln>
+          </p:spPr>
+          <p:style>
+            <a:lnRef idx="1">
+              <a:schemeClr val="accent1"/>
+            </a:lnRef>
+            <a:fillRef idx="0">
+              <a:schemeClr val="accent1"/>
+            </a:fillRef>
+            <a:effectRef idx="0">
+              <a:schemeClr val="accent1"/>
+            </a:effectRef>
+            <a:fontRef idx="minor">
+              <a:schemeClr val="tx1"/>
+            </a:fontRef>
+          </p:style>
+        </p:cxnSp>
+        <p:cxnSp>
+          <p:nvCxnSpPr>
+            <p:cNvPr id="47" name="Gerade Verbindung 46"/>
+            <p:cNvCxnSpPr/>
+            <p:nvPr/>
+          </p:nvCxnSpPr>
+          <p:spPr>
+            <a:xfrm>
+              <a:off x="1619672" y="3618897"/>
+              <a:ext cx="432048" cy="0"/>
+            </a:xfrm>
+            <a:prstGeom prst="line">
+              <a:avLst/>
+            </a:prstGeom>
+            <a:ln w="19050">
+              <a:solidFill>
+                <a:schemeClr val="tx1"/>
+              </a:solidFill>
+              <a:headEnd type="oval"/>
+            </a:ln>
+          </p:spPr>
+          <p:style>
+            <a:lnRef idx="1">
+              <a:schemeClr val="accent1"/>
+            </a:lnRef>
+            <a:fillRef idx="0">
+              <a:schemeClr val="accent1"/>
+            </a:fillRef>
+            <a:effectRef idx="0">
+              <a:schemeClr val="accent1"/>
+            </a:effectRef>
+            <a:fontRef idx="minor">
+              <a:schemeClr val="tx1"/>
+            </a:fontRef>
+          </p:style>
+        </p:cxnSp>
+        <p:cxnSp>
+          <p:nvCxnSpPr>
+            <p:cNvPr id="49" name="Gerade Verbindung 48"/>
+            <p:cNvCxnSpPr/>
+            <p:nvPr/>
+          </p:nvCxnSpPr>
+          <p:spPr>
+            <a:xfrm>
+              <a:off x="5508104" y="3040497"/>
+              <a:ext cx="432048" cy="0"/>
+            </a:xfrm>
+            <a:prstGeom prst="line">
+              <a:avLst/>
+            </a:prstGeom>
+            <a:ln w="19050">
+              <a:solidFill>
+                <a:schemeClr val="tx1"/>
+              </a:solidFill>
+              <a:tailEnd type="oval"/>
+            </a:ln>
+          </p:spPr>
+          <p:style>
+            <a:lnRef idx="1">
+              <a:schemeClr val="accent1"/>
+            </a:lnRef>
+            <a:fillRef idx="0">
+              <a:schemeClr val="accent1"/>
+            </a:fillRef>
+            <a:effectRef idx="0">
+              <a:schemeClr val="accent1"/>
+            </a:effectRef>
+            <a:fontRef idx="minor">
+              <a:schemeClr val="tx1"/>
+            </a:fontRef>
+          </p:style>
+        </p:cxnSp>
+        <p:sp>
+          <p:nvSpPr>
+            <p:cNvPr id="78" name="Textfeld 77"/>
+            <p:cNvSpPr txBox="1"/>
+            <p:nvPr/>
+          </p:nvSpPr>
+          <p:spPr>
+            <a:xfrm>
+              <a:off x="971600" y="1988840"/>
+              <a:ext cx="627095" cy="369332"/>
+            </a:xfrm>
+            <a:prstGeom prst="rect">
+              <a:avLst/>
+            </a:prstGeom>
+            <a:noFill/>
+          </p:spPr>
+          <p:txBody>
+            <a:bodyPr wrap="none" rtlCol="0">
+              <a:spAutoFit/>
+            </a:bodyPr>
+            <a:lstStyle/>
+            <a:p>
+              <a:r>
+                <a:rPr lang="de-DE" dirty="0" smtClean="0"/>
+                <a:t>p</a:t>
+              </a:r>
+              <a:r>
+                <a:rPr lang="de-DE" baseline="-25000" dirty="0" smtClean="0"/>
+                <a:t>0</a:t>
+              </a:r>
+              <a:r>
+                <a:rPr lang="de-DE" dirty="0" smtClean="0"/>
+                <a:t>, i</a:t>
+              </a:r>
+              <a:r>
+                <a:rPr lang="de-DE" baseline="-25000" dirty="0" smtClean="0"/>
+                <a:t>0</a:t>
+              </a:r>
+              <a:endParaRPr lang="de-DE" baseline="-25000" dirty="0" smtClean="0"/>
+            </a:p>
+          </p:txBody>
+        </p:sp>
+        <p:sp>
+          <p:nvSpPr>
+            <p:cNvPr id="84" name="Textfeld 83"/>
+            <p:cNvSpPr txBox="1"/>
+            <p:nvPr/>
+          </p:nvSpPr>
+          <p:spPr>
+            <a:xfrm>
+              <a:off x="5940152" y="2824473"/>
+              <a:ext cx="527709" cy="369332"/>
+            </a:xfrm>
+            <a:prstGeom prst="rect">
+              <a:avLst/>
+            </a:prstGeom>
+            <a:noFill/>
+          </p:spPr>
+          <p:txBody>
+            <a:bodyPr wrap="none" rtlCol="0">
+              <a:spAutoFit/>
+            </a:bodyPr>
+            <a:lstStyle/>
+            <a:p>
+              <a:r>
+                <a:rPr lang="de-DE" dirty="0" smtClean="0"/>
+                <a:t>p</a:t>
+              </a:r>
+              <a:r>
+                <a:rPr lang="de-DE" dirty="0" smtClean="0"/>
+                <a:t>, a</a:t>
+              </a:r>
+              <a:endParaRPr lang="de-DE" baseline="-25000" dirty="0"/>
+            </a:p>
+          </p:txBody>
+        </p:sp>
+        <p:sp>
+          <p:nvSpPr>
+            <p:cNvPr id="85" name="Textfeld 84"/>
+            <p:cNvSpPr txBox="1"/>
+            <p:nvPr/>
+          </p:nvSpPr>
+          <p:spPr>
+            <a:xfrm>
+              <a:off x="4572000" y="2708920"/>
+              <a:ext cx="306494" cy="369332"/>
+            </a:xfrm>
+            <a:prstGeom prst="rect">
+              <a:avLst/>
+            </a:prstGeom>
+            <a:noFill/>
+          </p:spPr>
+          <p:txBody>
+            <a:bodyPr wrap="none" rtlCol="0">
+              <a:spAutoFit/>
+            </a:bodyPr>
+            <a:lstStyle/>
+            <a:p>
+              <a:r>
+                <a:rPr lang="de-DE" dirty="0" smtClean="0"/>
+                <a:t>n</a:t>
+              </a:r>
+              <a:endParaRPr lang="de-DE" baseline="-25000" dirty="0"/>
+            </a:p>
+          </p:txBody>
+        </p:sp>
+      </p:grpSp>
+      <p:sp>
+        <p:nvSpPr>
+          <p:cNvPr id="45" name="Textfeld 44"/>
+          <p:cNvSpPr txBox="1"/>
+          <p:nvPr/>
+        </p:nvSpPr>
+        <p:spPr>
+          <a:xfrm>
+            <a:off x="1475656" y="2699628"/>
+            <a:ext cx="627095" cy="369332"/>
+          </a:xfrm>
+          <a:prstGeom prst="rect">
+            <a:avLst/>
+          </a:prstGeom>
+          <a:noFill/>
+        </p:spPr>
+        <p:txBody>
+          <a:bodyPr wrap="none" rtlCol="0">
+            <a:spAutoFit/>
+          </a:bodyPr>
+          <a:lstStyle/>
+          <a:p>
+            <a:r>
+              <a:rPr lang="de-DE" dirty="0" smtClean="0"/>
+              <a:t>p</a:t>
+            </a:r>
+            <a:r>
+              <a:rPr lang="de-DE" baseline="-25000" dirty="0" smtClean="0"/>
+              <a:t>1</a:t>
+            </a:r>
+            <a:r>
+              <a:rPr lang="de-DE" dirty="0" smtClean="0"/>
+              <a:t>, i</a:t>
+            </a:r>
+            <a:r>
+              <a:rPr lang="de-DE" baseline="-25000" dirty="0" smtClean="0"/>
+              <a:t>1</a:t>
+            </a:r>
+          </a:p>
+        </p:txBody>
+      </p:sp>
+      <p:sp>
+        <p:nvSpPr>
+          <p:cNvPr id="48" name="Textfeld 47"/>
+          <p:cNvSpPr txBox="1"/>
+          <p:nvPr/>
+        </p:nvSpPr>
+        <p:spPr>
+          <a:xfrm>
+            <a:off x="1475656" y="3563724"/>
+            <a:ext cx="630301" cy="369332"/>
+          </a:xfrm>
+          <a:prstGeom prst="rect">
+            <a:avLst/>
+          </a:prstGeom>
+          <a:noFill/>
+        </p:spPr>
+        <p:txBody>
+          <a:bodyPr wrap="none" rtlCol="0">
+            <a:spAutoFit/>
+          </a:bodyPr>
+          <a:lstStyle/>
+          <a:p>
+            <a:r>
+              <a:rPr lang="de-DE" dirty="0" err="1" smtClean="0"/>
+              <a:t>p</a:t>
+            </a:r>
+            <a:r>
+              <a:rPr lang="de-DE" baseline="-25000" dirty="0" err="1" smtClean="0"/>
+              <a:t>n</a:t>
+            </a:r>
+            <a:r>
+              <a:rPr lang="de-DE" dirty="0" smtClean="0"/>
+              <a:t>, i</a:t>
+            </a:r>
+            <a:r>
+              <a:rPr lang="de-DE" baseline="-25000" dirty="0" smtClean="0"/>
+              <a:t>n</a:t>
+            </a:r>
+          </a:p>
+        </p:txBody>
+      </p:sp>
+    </p:spTree>
+  </p:cSld>
+  <p:clrMapOvr>
+    <a:masterClrMapping/>
+  </p:clrMapOvr>
+</p:sld>
+</file>
+
+<file path=ppt/slides/slide3.xml><?xml version="1.0" encoding="utf-8"?>
+<p:sld xmlns:a="http://schemas.openxmlformats.org/drawingml/2006/main" xmlns:r="http://schemas.openxmlformats.org/officeDocument/2006/relationships" xmlns:p="http://schemas.openxmlformats.org/presentationml/2006/main">
+  <p:cSld>
+    <p:spTree>
+      <p:nvGrpSpPr>
+        <p:cNvPr id="1" name=""/>
+        <p:cNvGrpSpPr/>
+        <p:nvPr/>
+      </p:nvGrpSpPr>
+      <p:grpSpPr>
+        <a:xfrm>
+          <a:off x="0" y="0"/>
+          <a:ext cx="0" cy="0"/>
+          <a:chOff x="0" y="0"/>
+          <a:chExt cx="0" cy="0"/>
+        </a:xfrm>
+      </p:grpSpPr>
+      <p:grpSp>
+        <p:nvGrpSpPr>
+          <p:cNvPr id="2" name="Gruppieren 93"/>
+          <p:cNvGrpSpPr/>
+          <p:nvPr/>
+        </p:nvGrpSpPr>
+        <p:grpSpPr>
+          <a:xfrm>
+            <a:off x="611560" y="476672"/>
+            <a:ext cx="5168859" cy="2601580"/>
+            <a:chOff x="971600" y="1988840"/>
+            <a:chExt cx="5168859" cy="2601580"/>
+          </a:xfrm>
+        </p:grpSpPr>
+        <p:sp>
+          <p:nvSpPr>
+            <p:cNvPr id="4" name="Ellipse 3"/>
+            <p:cNvSpPr/>
+            <p:nvPr/>
+          </p:nvSpPr>
+          <p:spPr>
+            <a:xfrm>
+              <a:off x="3779911" y="2708920"/>
+              <a:ext cx="678877" cy="648072"/>
+            </a:xfrm>
+            <a:prstGeom prst="ellipse">
+              <a:avLst/>
+            </a:prstGeom>
+            <a:noFill/>
+            <a:ln w="19050">
+              <a:solidFill>
+                <a:schemeClr val="tx1"/>
+              </a:solidFill>
+            </a:ln>
+          </p:spPr>
+          <p:style>
+            <a:lnRef idx="2">
+              <a:schemeClr val="accent1">
+                <a:shade val="50000"/>
+              </a:schemeClr>
+            </a:lnRef>
+            <a:fillRef idx="1">
+              <a:schemeClr val="accent1"/>
+            </a:fillRef>
+            <a:effectRef idx="0">
+              <a:schemeClr val="accent1"/>
+            </a:effectRef>
+            <a:fontRef idx="minor">
+              <a:schemeClr val="lt1"/>
+            </a:fontRef>
+          </p:style>
+          <p:txBody>
+            <a:bodyPr rtlCol="0" anchor="ctr"/>
+            <a:lstStyle/>
+            <a:p>
+              <a:pPr algn="ctr"/>
+              <a:endParaRPr lang="de-DE"/>
+            </a:p>
+          </p:txBody>
+        </p:sp>
+        <p:sp>
+          <p:nvSpPr>
+            <p:cNvPr id="6" name="Textfeld 5"/>
+            <p:cNvSpPr txBox="1"/>
+            <p:nvPr/>
+          </p:nvSpPr>
+          <p:spPr>
+            <a:xfrm>
+              <a:off x="2051720" y="1988840"/>
+              <a:ext cx="504056" cy="369332"/>
+            </a:xfrm>
+            <a:prstGeom prst="rect">
+              <a:avLst/>
+            </a:prstGeom>
+            <a:noFill/>
+            <a:ln w="19050">
+              <a:solidFill>
+                <a:schemeClr val="tx1"/>
+              </a:solidFill>
+            </a:ln>
+          </p:spPr>
+          <p:txBody>
+            <a:bodyPr wrap="square" rtlCol="0" anchor="ctr" anchorCtr="0">
+              <a:spAutoFit/>
+            </a:bodyPr>
+            <a:lstStyle/>
+            <a:p>
+              <a:r>
+                <a:rPr lang="de-DE" dirty="0" smtClean="0"/>
+                <a:t>W</a:t>
+              </a:r>
+              <a:r>
+                <a:rPr lang="de-DE" baseline="-25000" dirty="0" smtClean="0"/>
+                <a:t>0</a:t>
+              </a:r>
+            </a:p>
+          </p:txBody>
+        </p:sp>
+        <p:sp>
+          <p:nvSpPr>
+            <p:cNvPr id="7" name="Textfeld 6"/>
+            <p:cNvSpPr txBox="1"/>
+            <p:nvPr/>
+          </p:nvSpPr>
+          <p:spPr>
+            <a:xfrm>
+              <a:off x="2051720" y="2564904"/>
+              <a:ext cx="504056" cy="369332"/>
+            </a:xfrm>
+            <a:prstGeom prst="rect">
+              <a:avLst/>
+            </a:prstGeom>
+            <a:noFill/>
+            <a:ln w="19050">
+              <a:solidFill>
+                <a:schemeClr val="tx1"/>
+              </a:solidFill>
+            </a:ln>
+          </p:spPr>
+          <p:txBody>
+            <a:bodyPr wrap="square" rtlCol="0" anchor="ctr" anchorCtr="0">
+              <a:spAutoFit/>
+            </a:bodyPr>
+            <a:lstStyle/>
+            <a:p>
+              <a:r>
+                <a:rPr lang="de-DE" dirty="0" smtClean="0"/>
+                <a:t>W</a:t>
+              </a:r>
+              <a:r>
+                <a:rPr lang="de-DE" baseline="-25000" dirty="0" smtClean="0"/>
+                <a:t>1</a:t>
+              </a:r>
+            </a:p>
+          </p:txBody>
+        </p:sp>
+        <p:sp>
+          <p:nvSpPr>
+            <p:cNvPr id="8" name="Textfeld 7"/>
+            <p:cNvSpPr txBox="1"/>
+            <p:nvPr/>
+          </p:nvSpPr>
+          <p:spPr>
+            <a:xfrm>
+              <a:off x="2051720" y="3429000"/>
+              <a:ext cx="504056" cy="369332"/>
+            </a:xfrm>
+            <a:prstGeom prst="rect">
+              <a:avLst/>
+            </a:prstGeom>
+            <a:noFill/>
+            <a:ln w="19050">
+              <a:solidFill>
+                <a:schemeClr val="tx1"/>
+              </a:solidFill>
+            </a:ln>
+          </p:spPr>
+          <p:txBody>
+            <a:bodyPr wrap="square" rtlCol="0" anchor="ctr" anchorCtr="0">
+              <a:spAutoFit/>
+            </a:bodyPr>
+            <a:lstStyle/>
+            <a:p>
+              <a:r>
+                <a:rPr lang="de-DE" dirty="0" smtClean="0"/>
+                <a:t>W</a:t>
+              </a:r>
+              <a:r>
+                <a:rPr lang="de-DE" baseline="-25000" dirty="0" smtClean="0"/>
+                <a:t>n</a:t>
+              </a:r>
+            </a:p>
+          </p:txBody>
+        </p:sp>
+        <p:sp>
+          <p:nvSpPr>
+            <p:cNvPr id="9" name="Textfeld 8"/>
+            <p:cNvSpPr txBox="1"/>
+            <p:nvPr/>
+          </p:nvSpPr>
+          <p:spPr>
+            <a:xfrm>
+              <a:off x="2051720" y="4221088"/>
+              <a:ext cx="360040" cy="369332"/>
+            </a:xfrm>
+            <a:prstGeom prst="rect">
+              <a:avLst/>
+            </a:prstGeom>
+            <a:noFill/>
+            <a:ln w="19050">
+              <a:solidFill>
+                <a:schemeClr val="tx1"/>
+              </a:solidFill>
+            </a:ln>
+          </p:spPr>
+          <p:txBody>
+            <a:bodyPr wrap="square" rtlCol="0" anchor="ctr" anchorCtr="0">
+              <a:spAutoFit/>
+            </a:bodyPr>
+            <a:lstStyle/>
+            <a:p>
+              <a:r>
+                <a:rPr lang="de-DE" dirty="0" smtClean="0"/>
+                <a:t> b</a:t>
+              </a:r>
+            </a:p>
+          </p:txBody>
+        </p:sp>
+        <p:sp>
+          <p:nvSpPr>
+            <p:cNvPr id="10" name="Textfeld 9"/>
+            <p:cNvSpPr txBox="1"/>
+            <p:nvPr/>
+          </p:nvSpPr>
+          <p:spPr>
+            <a:xfrm>
+              <a:off x="3951219" y="2733301"/>
+              <a:ext cx="325730" cy="523220"/>
+            </a:xfrm>
+            <a:prstGeom prst="rect">
+              <a:avLst/>
+            </a:prstGeom>
+            <a:noFill/>
+          </p:spPr>
+          <p:txBody>
+            <a:bodyPr wrap="none" rtlCol="0">
+              <a:spAutoFit/>
+            </a:bodyPr>
+            <a:lstStyle/>
+            <a:p>
+              <a:r>
+                <a:rPr lang="de-DE" sz="2800" dirty="0" smtClean="0"/>
+                <a:t>z</a:t>
+              </a:r>
+              <a:endParaRPr lang="de-DE" sz="2800" dirty="0"/>
+            </a:p>
+          </p:txBody>
+        </p:sp>
+        <p:sp>
+          <p:nvSpPr>
+            <p:cNvPr id="11" name="Textfeld 10"/>
+            <p:cNvSpPr txBox="1"/>
+            <p:nvPr/>
+          </p:nvSpPr>
+          <p:spPr>
+            <a:xfrm>
+              <a:off x="5004048" y="2772219"/>
+              <a:ext cx="504056" cy="523220"/>
+            </a:xfrm>
+            <a:prstGeom prst="rect">
+              <a:avLst/>
+            </a:prstGeom>
+            <a:noFill/>
+            <a:ln w="19050">
+              <a:solidFill>
+                <a:schemeClr val="tx1"/>
+              </a:solidFill>
+            </a:ln>
+          </p:spPr>
+          <p:txBody>
+            <a:bodyPr wrap="square" rtlCol="0" anchor="ctr" anchorCtr="0">
+              <a:spAutoFit/>
+            </a:bodyPr>
+            <a:lstStyle/>
+            <a:p>
+              <a:r>
+                <a:rPr lang="de-DE" sz="2800" dirty="0" smtClean="0"/>
+                <a:t> </a:t>
+              </a:r>
+              <a:r>
+                <a:rPr lang="de-DE" sz="2400" dirty="0" smtClean="0"/>
+                <a:t>1</a:t>
+              </a:r>
+              <a:endParaRPr lang="de-DE" sz="2400" dirty="0" smtClean="0"/>
+            </a:p>
+          </p:txBody>
+        </p:sp>
+        <p:cxnSp>
+          <p:nvCxnSpPr>
+            <p:cNvPr id="20" name="Gerade Verbindung 19"/>
+            <p:cNvCxnSpPr>
+              <a:stCxn id="6" idx="3"/>
+              <a:endCxn id="4" idx="2"/>
+            </p:cNvCxnSpPr>
+            <p:nvPr/>
+          </p:nvCxnSpPr>
+          <p:spPr>
+            <a:xfrm>
+              <a:off x="2555776" y="2173506"/>
+              <a:ext cx="1224135" cy="859450"/>
+            </a:xfrm>
+            <a:prstGeom prst="line">
+              <a:avLst/>
+            </a:prstGeom>
+            <a:ln w="19050">
+              <a:solidFill>
+                <a:schemeClr val="tx1"/>
+              </a:solidFill>
+            </a:ln>
+          </p:spPr>
+          <p:style>
+            <a:lnRef idx="1">
+              <a:schemeClr val="accent1"/>
+            </a:lnRef>
+            <a:fillRef idx="0">
+              <a:schemeClr val="accent1"/>
+            </a:fillRef>
+            <a:effectRef idx="0">
+              <a:schemeClr val="accent1"/>
+            </a:effectRef>
+            <a:fontRef idx="minor">
+              <a:schemeClr val="tx1"/>
+            </a:fontRef>
+          </p:style>
+        </p:cxnSp>
+        <p:cxnSp>
+          <p:nvCxnSpPr>
+            <p:cNvPr id="23" name="Gerade Verbindung 22"/>
+            <p:cNvCxnSpPr>
+              <a:stCxn id="7" idx="3"/>
+              <a:endCxn id="4" idx="2"/>
+            </p:cNvCxnSpPr>
+            <p:nvPr/>
+          </p:nvCxnSpPr>
+          <p:spPr>
+            <a:xfrm>
+              <a:off x="2555776" y="2749570"/>
+              <a:ext cx="1224135" cy="283386"/>
+            </a:xfrm>
+            <a:prstGeom prst="line">
+              <a:avLst/>
+            </a:prstGeom>
+            <a:ln w="19050">
+              <a:solidFill>
+                <a:schemeClr val="tx1"/>
+              </a:solidFill>
+            </a:ln>
+          </p:spPr>
+          <p:style>
+            <a:lnRef idx="1">
+              <a:schemeClr val="accent1"/>
+            </a:lnRef>
+            <a:fillRef idx="0">
+              <a:schemeClr val="accent1"/>
+            </a:fillRef>
+            <a:effectRef idx="0">
+              <a:schemeClr val="accent1"/>
+            </a:effectRef>
+            <a:fontRef idx="minor">
+              <a:schemeClr val="tx1"/>
+            </a:fontRef>
+          </p:style>
+        </p:cxnSp>
+        <p:cxnSp>
+          <p:nvCxnSpPr>
+            <p:cNvPr id="25" name="Gerade Verbindung 24"/>
+            <p:cNvCxnSpPr>
+              <a:stCxn id="8" idx="3"/>
+              <a:endCxn id="4" idx="2"/>
+            </p:cNvCxnSpPr>
+            <p:nvPr/>
+          </p:nvCxnSpPr>
+          <p:spPr>
+            <a:xfrm flipV="1">
+              <a:off x="2555776" y="3032956"/>
+              <a:ext cx="1224135" cy="580710"/>
+            </a:xfrm>
+            <a:prstGeom prst="line">
+              <a:avLst/>
+            </a:prstGeom>
+            <a:ln w="19050">
+              <a:solidFill>
+                <a:schemeClr val="tx1"/>
+              </a:solidFill>
+            </a:ln>
+          </p:spPr>
+          <p:style>
+            <a:lnRef idx="1">
+              <a:schemeClr val="accent1"/>
+            </a:lnRef>
+            <a:fillRef idx="0">
+              <a:schemeClr val="accent1"/>
+            </a:fillRef>
+            <a:effectRef idx="0">
+              <a:schemeClr val="accent1"/>
+            </a:effectRef>
+            <a:fontRef idx="minor">
+              <a:schemeClr val="tx1"/>
+            </a:fontRef>
+          </p:style>
+        </p:cxnSp>
+        <p:sp>
+          <p:nvSpPr>
+            <p:cNvPr id="27" name="Textfeld 26"/>
+            <p:cNvSpPr txBox="1"/>
+            <p:nvPr/>
+          </p:nvSpPr>
+          <p:spPr>
+            <a:xfrm>
+              <a:off x="2195736" y="2852936"/>
+              <a:ext cx="216024" cy="553998"/>
+            </a:xfrm>
+            <a:prstGeom prst="rect">
+              <a:avLst/>
+            </a:prstGeom>
+            <a:noFill/>
+          </p:spPr>
+          <p:txBody>
+            <a:bodyPr wrap="square" rtlCol="0">
+              <a:spAutoFit/>
+            </a:bodyPr>
+            <a:lstStyle/>
+            <a:p>
+              <a:r>
+                <a:rPr lang="de-DE" sz="1000" b="1" dirty="0" smtClean="0"/>
+                <a:t>.</a:t>
+              </a:r>
+            </a:p>
+            <a:p>
+              <a:r>
+                <a:rPr lang="de-DE" sz="1000" b="1" dirty="0" smtClean="0"/>
+                <a:t>.</a:t>
+              </a:r>
+            </a:p>
+            <a:p>
+              <a:r>
+                <a:rPr lang="de-DE" sz="1000" b="1" dirty="0" smtClean="0"/>
+                <a:t>.</a:t>
+              </a:r>
+              <a:endParaRPr lang="de-DE" sz="1000" b="1" dirty="0"/>
+            </a:p>
+          </p:txBody>
+        </p:sp>
+        <p:cxnSp>
+          <p:nvCxnSpPr>
+            <p:cNvPr id="28" name="Gerade Verbindung 27"/>
+            <p:cNvCxnSpPr>
+              <a:stCxn id="4" idx="6"/>
+              <a:endCxn id="11" idx="1"/>
+            </p:cNvCxnSpPr>
+            <p:nvPr/>
+          </p:nvCxnSpPr>
+          <p:spPr>
+            <a:xfrm>
+              <a:off x="4458788" y="3032956"/>
+              <a:ext cx="545260" cy="873"/>
+            </a:xfrm>
+            <a:prstGeom prst="line">
+              <a:avLst/>
+            </a:prstGeom>
+            <a:ln w="19050">
+              <a:solidFill>
+                <a:schemeClr val="tx1"/>
+              </a:solidFill>
+            </a:ln>
+          </p:spPr>
+          <p:style>
+            <a:lnRef idx="1">
+              <a:schemeClr val="accent1"/>
+            </a:lnRef>
+            <a:fillRef idx="0">
+              <a:schemeClr val="accent1"/>
+            </a:fillRef>
+            <a:effectRef idx="0">
+              <a:schemeClr val="accent1"/>
+            </a:effectRef>
+            <a:fontRef idx="minor">
+              <a:schemeClr val="tx1"/>
+            </a:fontRef>
+          </p:style>
+        </p:cxnSp>
+        <p:cxnSp>
+          <p:nvCxnSpPr>
+            <p:cNvPr id="31" name="Gerade Verbindung 30"/>
+            <p:cNvCxnSpPr>
+              <a:endCxn id="4" idx="2"/>
+            </p:cNvCxnSpPr>
+            <p:nvPr/>
+          </p:nvCxnSpPr>
+          <p:spPr>
+            <a:xfrm flipV="1">
+              <a:off x="2411760" y="3032956"/>
+              <a:ext cx="1368151" cy="1368152"/>
+            </a:xfrm>
+            <a:prstGeom prst="line">
+              <a:avLst/>
+            </a:prstGeom>
+            <a:ln w="19050">
+              <a:solidFill>
+                <a:schemeClr val="tx1"/>
+              </a:solidFill>
+            </a:ln>
+          </p:spPr>
+          <p:style>
+            <a:lnRef idx="1">
+              <a:schemeClr val="accent1"/>
+            </a:lnRef>
+            <a:fillRef idx="0">
+              <a:schemeClr val="accent1"/>
+            </a:fillRef>
+            <a:effectRef idx="0">
+              <a:schemeClr val="accent1"/>
+            </a:effectRef>
+            <a:fontRef idx="minor">
+              <a:schemeClr val="tx1"/>
+            </a:fontRef>
+          </p:style>
+        </p:cxnSp>
+        <p:cxnSp>
+          <p:nvCxnSpPr>
+            <p:cNvPr id="44" name="Gerade Verbindung 43"/>
+            <p:cNvCxnSpPr/>
+            <p:nvPr/>
+          </p:nvCxnSpPr>
+          <p:spPr>
+            <a:xfrm>
+              <a:off x="1619672" y="2178737"/>
+              <a:ext cx="432048" cy="0"/>
+            </a:xfrm>
+            <a:prstGeom prst="line">
+              <a:avLst/>
+            </a:prstGeom>
+            <a:ln w="19050">
+              <a:solidFill>
+                <a:schemeClr val="tx1"/>
+              </a:solidFill>
+              <a:headEnd type="oval"/>
+            </a:ln>
+          </p:spPr>
+          <p:style>
+            <a:lnRef idx="1">
+              <a:schemeClr val="accent1"/>
+            </a:lnRef>
+            <a:fillRef idx="0">
+              <a:schemeClr val="accent1"/>
+            </a:fillRef>
+            <a:effectRef idx="0">
+              <a:schemeClr val="accent1"/>
+            </a:effectRef>
+            <a:fontRef idx="minor">
+              <a:schemeClr val="tx1"/>
+            </a:fontRef>
+          </p:style>
+        </p:cxnSp>
+        <p:cxnSp>
+          <p:nvCxnSpPr>
+            <p:cNvPr id="46" name="Gerade Verbindung 45"/>
+            <p:cNvCxnSpPr/>
+            <p:nvPr/>
+          </p:nvCxnSpPr>
+          <p:spPr>
+            <a:xfrm>
+              <a:off x="1619672" y="2746092"/>
+              <a:ext cx="432048" cy="0"/>
+            </a:xfrm>
+            <a:prstGeom prst="line">
+              <a:avLst/>
+            </a:prstGeom>
+            <a:ln w="19050">
+              <a:solidFill>
+                <a:schemeClr val="tx1"/>
+              </a:solidFill>
+              <a:headEnd type="oval"/>
+            </a:ln>
+          </p:spPr>
+          <p:style>
+            <a:lnRef idx="1">
+              <a:schemeClr val="accent1"/>
+            </a:lnRef>
+            <a:fillRef idx="0">
+              <a:schemeClr val="accent1"/>
+            </a:fillRef>
+            <a:effectRef idx="0">
+              <a:schemeClr val="accent1"/>
+            </a:effectRef>
+            <a:fontRef idx="minor">
+              <a:schemeClr val="tx1"/>
+            </a:fontRef>
+          </p:style>
+        </p:cxnSp>
+        <p:cxnSp>
+          <p:nvCxnSpPr>
+            <p:cNvPr id="47" name="Gerade Verbindung 46"/>
+            <p:cNvCxnSpPr/>
+            <p:nvPr/>
+          </p:nvCxnSpPr>
+          <p:spPr>
+            <a:xfrm>
+              <a:off x="1619672" y="3618897"/>
+              <a:ext cx="432048" cy="0"/>
+            </a:xfrm>
+            <a:prstGeom prst="line">
+              <a:avLst/>
+            </a:prstGeom>
+            <a:ln w="19050">
+              <a:solidFill>
+                <a:schemeClr val="tx1"/>
+              </a:solidFill>
+              <a:headEnd type="oval"/>
+            </a:ln>
+          </p:spPr>
+          <p:style>
+            <a:lnRef idx="1">
+              <a:schemeClr val="accent1"/>
+            </a:lnRef>
+            <a:fillRef idx="0">
+              <a:schemeClr val="accent1"/>
+            </a:fillRef>
+            <a:effectRef idx="0">
+              <a:schemeClr val="accent1"/>
+            </a:effectRef>
+            <a:fontRef idx="minor">
+              <a:schemeClr val="tx1"/>
+            </a:fontRef>
+          </p:style>
+        </p:cxnSp>
+        <p:cxnSp>
+          <p:nvCxnSpPr>
+            <p:cNvPr id="49" name="Gerade Verbindung 48"/>
+            <p:cNvCxnSpPr>
+              <a:endCxn id="58" idx="1"/>
+            </p:cNvCxnSpPr>
+            <p:nvPr/>
+          </p:nvCxnSpPr>
+          <p:spPr>
+            <a:xfrm>
+              <a:off x="5508104" y="3040497"/>
+              <a:ext cx="632355" cy="2041"/>
+            </a:xfrm>
+            <a:prstGeom prst="line">
+              <a:avLst/>
+            </a:prstGeom>
+            <a:ln w="19050">
+              <a:solidFill>
+                <a:schemeClr val="tx1"/>
+              </a:solidFill>
+              <a:tailEnd type="none"/>
+            </a:ln>
+          </p:spPr>
+          <p:style>
+            <a:lnRef idx="1">
+              <a:schemeClr val="accent1"/>
+            </a:lnRef>
+            <a:fillRef idx="0">
+              <a:schemeClr val="accent1"/>
+            </a:fillRef>
+            <a:effectRef idx="0">
+              <a:schemeClr val="accent1"/>
+            </a:effectRef>
+            <a:fontRef idx="minor">
+              <a:schemeClr val="tx1"/>
+            </a:fontRef>
+          </p:style>
+        </p:cxnSp>
+        <p:sp>
+          <p:nvSpPr>
+            <p:cNvPr id="78" name="Textfeld 77"/>
+            <p:cNvSpPr txBox="1"/>
+            <p:nvPr/>
+          </p:nvSpPr>
+          <p:spPr>
+            <a:xfrm>
+              <a:off x="971600" y="1988840"/>
+              <a:ext cx="502061" cy="369332"/>
+            </a:xfrm>
+            <a:prstGeom prst="rect">
+              <a:avLst/>
+            </a:prstGeom>
+            <a:noFill/>
+          </p:spPr>
+          <p:txBody>
+            <a:bodyPr wrap="none" rtlCol="0">
+              <a:spAutoFit/>
+            </a:bodyPr>
+            <a:lstStyle/>
+            <a:p>
+              <a:r>
+                <a:rPr lang="de-DE" dirty="0" smtClean="0"/>
+                <a:t>p</a:t>
+              </a:r>
+              <a:r>
+                <a:rPr lang="de-DE" baseline="-25000" dirty="0" smtClean="0"/>
+                <a:t>0,0</a:t>
+              </a:r>
+              <a:endParaRPr lang="de-DE" baseline="-25000" dirty="0" smtClean="0"/>
+            </a:p>
+          </p:txBody>
+        </p:sp>
+        <p:sp>
+          <p:nvSpPr>
+            <p:cNvPr id="84" name="Textfeld 83"/>
+            <p:cNvSpPr txBox="1"/>
+            <p:nvPr/>
+          </p:nvSpPr>
+          <p:spPr>
+            <a:xfrm>
+              <a:off x="5580112" y="2691502"/>
+              <a:ext cx="373820" cy="369332"/>
+            </a:xfrm>
+            <a:prstGeom prst="rect">
+              <a:avLst/>
+            </a:prstGeom>
+            <a:noFill/>
+          </p:spPr>
+          <p:txBody>
+            <a:bodyPr wrap="none" rtlCol="0">
+              <a:spAutoFit/>
+            </a:bodyPr>
+            <a:lstStyle/>
+            <a:p>
+              <a:r>
+                <a:rPr lang="de-DE" dirty="0" smtClean="0"/>
+                <a:t>a</a:t>
+              </a:r>
+              <a:r>
+                <a:rPr lang="de-DE" baseline="-25000" dirty="0" smtClean="0"/>
+                <a:t>0</a:t>
+              </a:r>
+              <a:endParaRPr lang="de-DE" baseline="-25000" dirty="0"/>
+            </a:p>
+          </p:txBody>
+        </p:sp>
+        <p:sp>
+          <p:nvSpPr>
+            <p:cNvPr id="85" name="Textfeld 84"/>
+            <p:cNvSpPr txBox="1"/>
+            <p:nvPr/>
+          </p:nvSpPr>
+          <p:spPr>
+            <a:xfrm>
+              <a:off x="4572000" y="2708920"/>
+              <a:ext cx="184731" cy="276999"/>
+            </a:xfrm>
+            <a:prstGeom prst="rect">
+              <a:avLst/>
+            </a:prstGeom>
+            <a:noFill/>
+          </p:spPr>
+          <p:txBody>
+            <a:bodyPr wrap="none" rtlCol="0">
+              <a:spAutoFit/>
+            </a:bodyPr>
+            <a:lstStyle/>
+            <a:p>
+              <a:endParaRPr lang="de-DE" baseline="-25000" dirty="0"/>
+            </a:p>
+          </p:txBody>
+        </p:sp>
+      </p:grpSp>
+      <p:sp>
+        <p:nvSpPr>
+          <p:cNvPr id="45" name="Textfeld 44"/>
+          <p:cNvSpPr txBox="1"/>
+          <p:nvPr/>
+        </p:nvSpPr>
+        <p:spPr>
+          <a:xfrm>
+            <a:off x="611560" y="1043444"/>
+            <a:ext cx="502061" cy="369332"/>
+          </a:xfrm>
+          <a:prstGeom prst="rect">
+            <a:avLst/>
+          </a:prstGeom>
+          <a:noFill/>
+        </p:spPr>
+        <p:txBody>
+          <a:bodyPr wrap="none" rtlCol="0">
+            <a:spAutoFit/>
+          </a:bodyPr>
+          <a:lstStyle/>
+          <a:p>
+            <a:r>
+              <a:rPr lang="de-DE" dirty="0" smtClean="0"/>
+              <a:t>p</a:t>
+            </a:r>
+            <a:r>
+              <a:rPr lang="de-DE" baseline="-25000" dirty="0" smtClean="0"/>
+              <a:t>0,</a:t>
+            </a:r>
+            <a:r>
+              <a:rPr lang="de-DE" baseline="-25000" dirty="0" smtClean="0"/>
+              <a:t>1</a:t>
+            </a:r>
+            <a:endParaRPr lang="de-DE" baseline="-25000" dirty="0" smtClean="0"/>
+          </a:p>
+        </p:txBody>
+      </p:sp>
+      <p:grpSp>
+        <p:nvGrpSpPr>
+          <p:cNvPr id="26" name="Gruppieren 93"/>
+          <p:cNvGrpSpPr/>
+          <p:nvPr/>
+        </p:nvGrpSpPr>
+        <p:grpSpPr>
+          <a:xfrm>
+            <a:off x="1259632" y="3789040"/>
+            <a:ext cx="4520787" cy="2601580"/>
+            <a:chOff x="1619672" y="1988840"/>
+            <a:chExt cx="4520787" cy="2601580"/>
+          </a:xfrm>
+        </p:grpSpPr>
+        <p:sp>
+          <p:nvSpPr>
+            <p:cNvPr id="29" name="Ellipse 28"/>
+            <p:cNvSpPr/>
+            <p:nvPr/>
+          </p:nvSpPr>
+          <p:spPr>
+            <a:xfrm>
+              <a:off x="3779911" y="2708920"/>
+              <a:ext cx="678877" cy="648072"/>
+            </a:xfrm>
+            <a:prstGeom prst="ellipse">
+              <a:avLst/>
+            </a:prstGeom>
+            <a:noFill/>
+            <a:ln w="19050">
+              <a:solidFill>
+                <a:schemeClr val="tx1"/>
+              </a:solidFill>
+            </a:ln>
+          </p:spPr>
+          <p:style>
+            <a:lnRef idx="2">
+              <a:schemeClr val="accent1">
+                <a:shade val="50000"/>
+              </a:schemeClr>
+            </a:lnRef>
+            <a:fillRef idx="1">
+              <a:schemeClr val="accent1"/>
+            </a:fillRef>
+            <a:effectRef idx="0">
+              <a:schemeClr val="accent1"/>
+            </a:effectRef>
+            <a:fontRef idx="minor">
+              <a:schemeClr val="lt1"/>
+            </a:fontRef>
+          </p:style>
+          <p:txBody>
+            <a:bodyPr rtlCol="0" anchor="ctr"/>
+            <a:lstStyle/>
+            <a:p>
+              <a:pPr algn="ctr"/>
+              <a:endParaRPr lang="de-DE"/>
+            </a:p>
+          </p:txBody>
+        </p:sp>
+        <p:sp>
+          <p:nvSpPr>
+            <p:cNvPr id="30" name="Textfeld 29"/>
+            <p:cNvSpPr txBox="1"/>
+            <p:nvPr/>
+          </p:nvSpPr>
+          <p:spPr>
+            <a:xfrm>
+              <a:off x="2051720" y="1988840"/>
+              <a:ext cx="504056" cy="369332"/>
+            </a:xfrm>
+            <a:prstGeom prst="rect">
+              <a:avLst/>
+            </a:prstGeom>
+            <a:noFill/>
+            <a:ln w="19050">
+              <a:solidFill>
+                <a:schemeClr val="tx1"/>
+              </a:solidFill>
+            </a:ln>
+          </p:spPr>
+          <p:txBody>
+            <a:bodyPr wrap="square" rtlCol="0" anchor="ctr" anchorCtr="0">
+              <a:spAutoFit/>
+            </a:bodyPr>
+            <a:lstStyle/>
+            <a:p>
+              <a:r>
+                <a:rPr lang="de-DE" dirty="0" smtClean="0"/>
+                <a:t>W</a:t>
+              </a:r>
+              <a:r>
+                <a:rPr lang="de-DE" baseline="-25000" dirty="0" smtClean="0"/>
+                <a:t>0</a:t>
+              </a:r>
+            </a:p>
+          </p:txBody>
+        </p:sp>
+        <p:sp>
+          <p:nvSpPr>
+            <p:cNvPr id="32" name="Textfeld 31"/>
+            <p:cNvSpPr txBox="1"/>
+            <p:nvPr/>
+          </p:nvSpPr>
+          <p:spPr>
+            <a:xfrm>
+              <a:off x="2051720" y="2564904"/>
+              <a:ext cx="504056" cy="369332"/>
+            </a:xfrm>
+            <a:prstGeom prst="rect">
+              <a:avLst/>
+            </a:prstGeom>
+            <a:noFill/>
+            <a:ln w="19050">
+              <a:solidFill>
+                <a:schemeClr val="tx1"/>
+              </a:solidFill>
+            </a:ln>
+          </p:spPr>
+          <p:txBody>
+            <a:bodyPr wrap="square" rtlCol="0" anchor="ctr" anchorCtr="0">
+              <a:spAutoFit/>
+            </a:bodyPr>
+            <a:lstStyle/>
+            <a:p>
+              <a:r>
+                <a:rPr lang="de-DE" dirty="0" smtClean="0"/>
+                <a:t>W</a:t>
+              </a:r>
+              <a:r>
+                <a:rPr lang="de-DE" baseline="-25000" dirty="0" smtClean="0"/>
+                <a:t>1</a:t>
+              </a:r>
+            </a:p>
+          </p:txBody>
+        </p:sp>
+        <p:sp>
+          <p:nvSpPr>
+            <p:cNvPr id="33" name="Textfeld 32"/>
+            <p:cNvSpPr txBox="1"/>
+            <p:nvPr/>
+          </p:nvSpPr>
+          <p:spPr>
+            <a:xfrm>
+              <a:off x="2051720" y="3429000"/>
+              <a:ext cx="504056" cy="369332"/>
+            </a:xfrm>
+            <a:prstGeom prst="rect">
+              <a:avLst/>
+            </a:prstGeom>
+            <a:noFill/>
+            <a:ln w="19050">
+              <a:solidFill>
+                <a:schemeClr val="tx1"/>
+              </a:solidFill>
+            </a:ln>
+          </p:spPr>
+          <p:txBody>
+            <a:bodyPr wrap="square" rtlCol="0" anchor="ctr" anchorCtr="0">
+              <a:spAutoFit/>
+            </a:bodyPr>
+            <a:lstStyle/>
+            <a:p>
+              <a:r>
+                <a:rPr lang="de-DE" dirty="0" smtClean="0"/>
+                <a:t>W</a:t>
+              </a:r>
+              <a:r>
+                <a:rPr lang="de-DE" baseline="-25000" dirty="0" smtClean="0"/>
+                <a:t>n</a:t>
+              </a:r>
+            </a:p>
+          </p:txBody>
+        </p:sp>
+        <p:sp>
+          <p:nvSpPr>
+            <p:cNvPr id="34" name="Textfeld 33"/>
+            <p:cNvSpPr txBox="1"/>
+            <p:nvPr/>
+          </p:nvSpPr>
+          <p:spPr>
+            <a:xfrm>
+              <a:off x="2051720" y="4221088"/>
+              <a:ext cx="360040" cy="369332"/>
+            </a:xfrm>
+            <a:prstGeom prst="rect">
+              <a:avLst/>
+            </a:prstGeom>
+            <a:noFill/>
+            <a:ln w="19050">
+              <a:solidFill>
+                <a:schemeClr val="tx1"/>
+              </a:solidFill>
+            </a:ln>
+          </p:spPr>
+          <p:txBody>
+            <a:bodyPr wrap="square" rtlCol="0" anchor="ctr" anchorCtr="0">
+              <a:spAutoFit/>
+            </a:bodyPr>
+            <a:lstStyle/>
+            <a:p>
+              <a:r>
+                <a:rPr lang="de-DE" dirty="0" smtClean="0"/>
+                <a:t> b</a:t>
+              </a:r>
+            </a:p>
+          </p:txBody>
+        </p:sp>
+        <p:sp>
+          <p:nvSpPr>
+            <p:cNvPr id="35" name="Textfeld 34"/>
+            <p:cNvSpPr txBox="1"/>
+            <p:nvPr/>
+          </p:nvSpPr>
+          <p:spPr>
+            <a:xfrm>
+              <a:off x="3951219" y="2733301"/>
+              <a:ext cx="325730" cy="523220"/>
+            </a:xfrm>
+            <a:prstGeom prst="rect">
+              <a:avLst/>
+            </a:prstGeom>
+            <a:noFill/>
+          </p:spPr>
+          <p:txBody>
+            <a:bodyPr wrap="none" rtlCol="0">
+              <a:spAutoFit/>
+            </a:bodyPr>
+            <a:lstStyle/>
+            <a:p>
+              <a:r>
+                <a:rPr lang="de-DE" sz="2800" dirty="0" smtClean="0"/>
+                <a:t>z</a:t>
+              </a:r>
+              <a:endParaRPr lang="de-DE" sz="2800" dirty="0"/>
+            </a:p>
+          </p:txBody>
+        </p:sp>
+        <p:sp>
+          <p:nvSpPr>
+            <p:cNvPr id="36" name="Textfeld 35"/>
+            <p:cNvSpPr txBox="1"/>
+            <p:nvPr/>
+          </p:nvSpPr>
+          <p:spPr>
+            <a:xfrm>
+              <a:off x="5004048" y="2772219"/>
+              <a:ext cx="504056" cy="523220"/>
+            </a:xfrm>
+            <a:prstGeom prst="rect">
+              <a:avLst/>
+            </a:prstGeom>
+            <a:noFill/>
+            <a:ln w="19050">
+              <a:solidFill>
+                <a:schemeClr val="tx1"/>
+              </a:solidFill>
+            </a:ln>
+          </p:spPr>
+          <p:txBody>
+            <a:bodyPr wrap="square" rtlCol="0" anchor="ctr" anchorCtr="0">
+              <a:spAutoFit/>
+            </a:bodyPr>
+            <a:lstStyle/>
+            <a:p>
+              <a:r>
+                <a:rPr lang="de-DE" sz="2800" dirty="0" smtClean="0"/>
+                <a:t> </a:t>
+              </a:r>
+              <a:r>
+                <a:rPr lang="de-DE" sz="2400" dirty="0" smtClean="0"/>
+                <a:t>1</a:t>
+              </a:r>
+              <a:endParaRPr lang="de-DE" sz="2400" dirty="0" smtClean="0"/>
+            </a:p>
+          </p:txBody>
+        </p:sp>
+        <p:cxnSp>
+          <p:nvCxnSpPr>
+            <p:cNvPr id="37" name="Gerade Verbindung 36"/>
+            <p:cNvCxnSpPr>
+              <a:stCxn id="30" idx="3"/>
+              <a:endCxn id="29" idx="2"/>
+            </p:cNvCxnSpPr>
+            <p:nvPr/>
+          </p:nvCxnSpPr>
+          <p:spPr>
+            <a:xfrm>
+              <a:off x="2555776" y="2173506"/>
+              <a:ext cx="1224135" cy="859450"/>
+            </a:xfrm>
+            <a:prstGeom prst="line">
+              <a:avLst/>
+            </a:prstGeom>
+            <a:ln w="19050">
+              <a:solidFill>
+                <a:schemeClr val="tx1"/>
+              </a:solidFill>
+            </a:ln>
+          </p:spPr>
+          <p:style>
+            <a:lnRef idx="1">
+              <a:schemeClr val="accent1"/>
+            </a:lnRef>
+            <a:fillRef idx="0">
+              <a:schemeClr val="accent1"/>
+            </a:fillRef>
+            <a:effectRef idx="0">
+              <a:schemeClr val="accent1"/>
+            </a:effectRef>
+            <a:fontRef idx="minor">
+              <a:schemeClr val="tx1"/>
+            </a:fontRef>
+          </p:style>
+        </p:cxnSp>
+        <p:cxnSp>
+          <p:nvCxnSpPr>
+            <p:cNvPr id="38" name="Gerade Verbindung 37"/>
+            <p:cNvCxnSpPr>
+              <a:stCxn id="32" idx="3"/>
+              <a:endCxn id="29" idx="2"/>
+            </p:cNvCxnSpPr>
+            <p:nvPr/>
+          </p:nvCxnSpPr>
+          <p:spPr>
+            <a:xfrm>
+              <a:off x="2555776" y="2749570"/>
+              <a:ext cx="1224135" cy="283386"/>
+            </a:xfrm>
+            <a:prstGeom prst="line">
+              <a:avLst/>
+            </a:prstGeom>
+            <a:ln w="19050">
+              <a:solidFill>
+                <a:schemeClr val="tx1"/>
+              </a:solidFill>
+            </a:ln>
+          </p:spPr>
+          <p:style>
+            <a:lnRef idx="1">
+              <a:schemeClr val="accent1"/>
+            </a:lnRef>
+            <a:fillRef idx="0">
+              <a:schemeClr val="accent1"/>
+            </a:fillRef>
+            <a:effectRef idx="0">
+              <a:schemeClr val="accent1"/>
+            </a:effectRef>
+            <a:fontRef idx="minor">
+              <a:schemeClr val="tx1"/>
+            </a:fontRef>
+          </p:style>
+        </p:cxnSp>
+        <p:cxnSp>
+          <p:nvCxnSpPr>
+            <p:cNvPr id="39" name="Gerade Verbindung 38"/>
+            <p:cNvCxnSpPr>
+              <a:stCxn id="33" idx="3"/>
+              <a:endCxn id="29" idx="2"/>
+            </p:cNvCxnSpPr>
+            <p:nvPr/>
+          </p:nvCxnSpPr>
+          <p:spPr>
+            <a:xfrm flipV="1">
+              <a:off x="2555776" y="3032956"/>
+              <a:ext cx="1224135" cy="580710"/>
+            </a:xfrm>
+            <a:prstGeom prst="line">
+              <a:avLst/>
+            </a:prstGeom>
+            <a:ln w="19050">
+              <a:solidFill>
+                <a:schemeClr val="tx1"/>
+              </a:solidFill>
+            </a:ln>
+          </p:spPr>
+          <p:style>
+            <a:lnRef idx="1">
+              <a:schemeClr val="accent1"/>
+            </a:lnRef>
+            <a:fillRef idx="0">
+              <a:schemeClr val="accent1"/>
+            </a:fillRef>
+            <a:effectRef idx="0">
+              <a:schemeClr val="accent1"/>
+            </a:effectRef>
+            <a:fontRef idx="minor">
+              <a:schemeClr val="tx1"/>
+            </a:fontRef>
+          </p:style>
+        </p:cxnSp>
+        <p:sp>
+          <p:nvSpPr>
+            <p:cNvPr id="40" name="Textfeld 39"/>
+            <p:cNvSpPr txBox="1"/>
+            <p:nvPr/>
+          </p:nvSpPr>
+          <p:spPr>
+            <a:xfrm>
+              <a:off x="2195736" y="2852936"/>
+              <a:ext cx="216024" cy="553998"/>
+            </a:xfrm>
+            <a:prstGeom prst="rect">
+              <a:avLst/>
+            </a:prstGeom>
+            <a:noFill/>
+          </p:spPr>
+          <p:txBody>
+            <a:bodyPr wrap="square" rtlCol="0">
+              <a:spAutoFit/>
+            </a:bodyPr>
+            <a:lstStyle/>
+            <a:p>
+              <a:r>
+                <a:rPr lang="de-DE" sz="1000" b="1" dirty="0" smtClean="0"/>
+                <a:t>.</a:t>
+              </a:r>
+            </a:p>
+            <a:p>
+              <a:r>
+                <a:rPr lang="de-DE" sz="1000" b="1" dirty="0" smtClean="0"/>
+                <a:t>.</a:t>
+              </a:r>
+            </a:p>
+            <a:p>
+              <a:r>
+                <a:rPr lang="de-DE" sz="1000" b="1" dirty="0" smtClean="0"/>
+                <a:t>.</a:t>
+              </a:r>
+              <a:endParaRPr lang="de-DE" sz="1000" b="1" dirty="0"/>
+            </a:p>
+          </p:txBody>
+        </p:sp>
+        <p:cxnSp>
+          <p:nvCxnSpPr>
+            <p:cNvPr id="41" name="Gerade Verbindung 40"/>
+            <p:cNvCxnSpPr>
+              <a:stCxn id="29" idx="6"/>
+              <a:endCxn id="36" idx="1"/>
+            </p:cNvCxnSpPr>
+            <p:nvPr/>
+          </p:nvCxnSpPr>
+          <p:spPr>
+            <a:xfrm>
+              <a:off x="4458788" y="3032956"/>
+              <a:ext cx="545260" cy="873"/>
+            </a:xfrm>
+            <a:prstGeom prst="line">
+              <a:avLst/>
+            </a:prstGeom>
+            <a:ln w="19050">
+              <a:solidFill>
+                <a:schemeClr val="tx1"/>
+              </a:solidFill>
+            </a:ln>
+          </p:spPr>
+          <p:style>
+            <a:lnRef idx="1">
+              <a:schemeClr val="accent1"/>
+            </a:lnRef>
+            <a:fillRef idx="0">
+              <a:schemeClr val="accent1"/>
+            </a:fillRef>
+            <a:effectRef idx="0">
+              <a:schemeClr val="accent1"/>
+            </a:effectRef>
+            <a:fontRef idx="minor">
+              <a:schemeClr val="tx1"/>
+            </a:fontRef>
+          </p:style>
+        </p:cxnSp>
+        <p:cxnSp>
+          <p:nvCxnSpPr>
+            <p:cNvPr id="42" name="Gerade Verbindung 41"/>
+            <p:cNvCxnSpPr>
+              <a:endCxn id="29" idx="2"/>
+            </p:cNvCxnSpPr>
+            <p:nvPr/>
+          </p:nvCxnSpPr>
+          <p:spPr>
+            <a:xfrm flipV="1">
+              <a:off x="2411760" y="3032956"/>
+              <a:ext cx="1368151" cy="1368152"/>
+            </a:xfrm>
+            <a:prstGeom prst="line">
+              <a:avLst/>
+            </a:prstGeom>
+            <a:ln w="19050">
+              <a:solidFill>
+                <a:schemeClr val="tx1"/>
+              </a:solidFill>
+            </a:ln>
+          </p:spPr>
+          <p:style>
+            <a:lnRef idx="1">
+              <a:schemeClr val="accent1"/>
+            </a:lnRef>
+            <a:fillRef idx="0">
+              <a:schemeClr val="accent1"/>
+            </a:fillRef>
+            <a:effectRef idx="0">
+              <a:schemeClr val="accent1"/>
+            </a:effectRef>
+            <a:fontRef idx="minor">
+              <a:schemeClr val="tx1"/>
+            </a:fontRef>
+          </p:style>
+        </p:cxnSp>
+        <p:cxnSp>
+          <p:nvCxnSpPr>
+            <p:cNvPr id="43" name="Gerade Verbindung 42"/>
+            <p:cNvCxnSpPr/>
+            <p:nvPr/>
+          </p:nvCxnSpPr>
+          <p:spPr>
+            <a:xfrm>
+              <a:off x="1619672" y="2178737"/>
+              <a:ext cx="432048" cy="0"/>
+            </a:xfrm>
+            <a:prstGeom prst="line">
+              <a:avLst/>
+            </a:prstGeom>
+            <a:ln w="19050">
+              <a:solidFill>
+                <a:schemeClr val="tx1"/>
+              </a:solidFill>
+              <a:headEnd type="oval"/>
+            </a:ln>
+          </p:spPr>
+          <p:style>
+            <a:lnRef idx="1">
+              <a:schemeClr val="accent1"/>
+            </a:lnRef>
+            <a:fillRef idx="0">
+              <a:schemeClr val="accent1"/>
+            </a:fillRef>
+            <a:effectRef idx="0">
+              <a:schemeClr val="accent1"/>
+            </a:effectRef>
+            <a:fontRef idx="minor">
+              <a:schemeClr val="tx1"/>
+            </a:fontRef>
+          </p:style>
+        </p:cxnSp>
+        <p:cxnSp>
+          <p:nvCxnSpPr>
+            <p:cNvPr id="50" name="Gerade Verbindung 49"/>
+            <p:cNvCxnSpPr/>
+            <p:nvPr/>
+          </p:nvCxnSpPr>
+          <p:spPr>
+            <a:xfrm>
+              <a:off x="1619672" y="2746092"/>
+              <a:ext cx="432048" cy="0"/>
+            </a:xfrm>
+            <a:prstGeom prst="line">
+              <a:avLst/>
+            </a:prstGeom>
+            <a:ln w="19050">
+              <a:solidFill>
+                <a:schemeClr val="tx1"/>
+              </a:solidFill>
+              <a:headEnd type="oval"/>
+            </a:ln>
+          </p:spPr>
+          <p:style>
+            <a:lnRef idx="1">
+              <a:schemeClr val="accent1"/>
+            </a:lnRef>
+            <a:fillRef idx="0">
+              <a:schemeClr val="accent1"/>
+            </a:fillRef>
+            <a:effectRef idx="0">
+              <a:schemeClr val="accent1"/>
+            </a:effectRef>
+            <a:fontRef idx="minor">
+              <a:schemeClr val="tx1"/>
+            </a:fontRef>
+          </p:style>
+        </p:cxnSp>
+        <p:cxnSp>
+          <p:nvCxnSpPr>
+            <p:cNvPr id="51" name="Gerade Verbindung 50"/>
+            <p:cNvCxnSpPr/>
+            <p:nvPr/>
+          </p:nvCxnSpPr>
+          <p:spPr>
+            <a:xfrm>
+              <a:off x="1619672" y="3618897"/>
+              <a:ext cx="432048" cy="0"/>
+            </a:xfrm>
+            <a:prstGeom prst="line">
+              <a:avLst/>
+            </a:prstGeom>
+            <a:ln w="19050">
+              <a:solidFill>
+                <a:schemeClr val="tx1"/>
+              </a:solidFill>
+              <a:headEnd type="oval"/>
+            </a:ln>
+          </p:spPr>
+          <p:style>
+            <a:lnRef idx="1">
+              <a:schemeClr val="accent1"/>
+            </a:lnRef>
+            <a:fillRef idx="0">
+              <a:schemeClr val="accent1"/>
+            </a:fillRef>
+            <a:effectRef idx="0">
+              <a:schemeClr val="accent1"/>
+            </a:effectRef>
+            <a:fontRef idx="minor">
+              <a:schemeClr val="tx1"/>
+            </a:fontRef>
+          </p:style>
+        </p:cxnSp>
+        <p:cxnSp>
+          <p:nvCxnSpPr>
+            <p:cNvPr id="52" name="Gerade Verbindung 51"/>
+            <p:cNvCxnSpPr>
+              <a:endCxn id="59" idx="1"/>
+            </p:cNvCxnSpPr>
+            <p:nvPr/>
+          </p:nvCxnSpPr>
+          <p:spPr>
+            <a:xfrm>
+              <a:off x="5508104" y="3040497"/>
+              <a:ext cx="632355" cy="2041"/>
+            </a:xfrm>
+            <a:prstGeom prst="line">
+              <a:avLst/>
+            </a:prstGeom>
+            <a:ln w="19050">
+              <a:solidFill>
+                <a:schemeClr val="tx1"/>
+              </a:solidFill>
+              <a:tailEnd type="none"/>
+            </a:ln>
+          </p:spPr>
+          <p:style>
+            <a:lnRef idx="1">
+              <a:schemeClr val="accent1"/>
+            </a:lnRef>
+            <a:fillRef idx="0">
+              <a:schemeClr val="accent1"/>
+            </a:fillRef>
+            <a:effectRef idx="0">
+              <a:schemeClr val="accent1"/>
+            </a:effectRef>
+            <a:fontRef idx="minor">
+              <a:schemeClr val="tx1"/>
+            </a:fontRef>
+          </p:style>
+        </p:cxnSp>
+        <p:sp>
+          <p:nvSpPr>
+            <p:cNvPr id="54" name="Textfeld 53"/>
+            <p:cNvSpPr txBox="1"/>
+            <p:nvPr/>
+          </p:nvSpPr>
+          <p:spPr>
+            <a:xfrm>
+              <a:off x="5580112" y="2700211"/>
+              <a:ext cx="365806" cy="369332"/>
+            </a:xfrm>
+            <a:prstGeom prst="rect">
+              <a:avLst/>
+            </a:prstGeom>
+            <a:noFill/>
+          </p:spPr>
+          <p:txBody>
+            <a:bodyPr wrap="none" rtlCol="0">
+              <a:spAutoFit/>
+            </a:bodyPr>
+            <a:lstStyle/>
+            <a:p>
+              <a:r>
+                <a:rPr lang="de-DE" dirty="0" err="1" smtClean="0"/>
+                <a:t>a</a:t>
+              </a:r>
+              <a:r>
+                <a:rPr lang="de-DE" baseline="-25000" dirty="0" err="1" smtClean="0"/>
+                <a:t>k</a:t>
+              </a:r>
+              <a:endParaRPr lang="de-DE" baseline="-25000" dirty="0"/>
+            </a:p>
+          </p:txBody>
+        </p:sp>
+        <p:sp>
+          <p:nvSpPr>
+            <p:cNvPr id="55" name="Textfeld 54"/>
+            <p:cNvSpPr txBox="1"/>
+            <p:nvPr/>
+          </p:nvSpPr>
+          <p:spPr>
+            <a:xfrm>
+              <a:off x="4572000" y="2708920"/>
+              <a:ext cx="184731" cy="276999"/>
+            </a:xfrm>
+            <a:prstGeom prst="rect">
+              <a:avLst/>
+            </a:prstGeom>
+            <a:noFill/>
+          </p:spPr>
+          <p:txBody>
+            <a:bodyPr wrap="none" rtlCol="0">
+              <a:spAutoFit/>
+            </a:bodyPr>
+            <a:lstStyle/>
+            <a:p>
+              <a:endParaRPr lang="de-DE" baseline="-25000" dirty="0"/>
+            </a:p>
+          </p:txBody>
+        </p:sp>
+      </p:grpSp>
+      <p:sp>
+        <p:nvSpPr>
+          <p:cNvPr id="58" name="Textfeld 57"/>
+          <p:cNvSpPr txBox="1"/>
+          <p:nvPr/>
+        </p:nvSpPr>
+        <p:spPr>
+          <a:xfrm>
+            <a:off x="5780419" y="1268760"/>
+            <a:ext cx="504056" cy="523220"/>
+          </a:xfrm>
+          <a:prstGeom prst="rect">
+            <a:avLst/>
+          </a:prstGeom>
+          <a:noFill/>
+          <a:ln w="19050">
+            <a:solidFill>
+              <a:schemeClr val="tx1"/>
+            </a:solidFill>
+          </a:ln>
+        </p:spPr>
+        <p:txBody>
+          <a:bodyPr wrap="square" rtlCol="0" anchor="ctr" anchorCtr="0">
+            <a:spAutoFit/>
+          </a:bodyPr>
+          <a:lstStyle/>
+          <a:p>
+            <a:r>
+              <a:rPr lang="de-DE" sz="2800" dirty="0" smtClean="0"/>
+              <a:t> </a:t>
+            </a:r>
+            <a:r>
+              <a:rPr lang="de-DE" sz="2800" dirty="0" smtClean="0"/>
+              <a:t>s</a:t>
+            </a:r>
+            <a:endParaRPr lang="de-DE" sz="2800" dirty="0" smtClean="0"/>
+          </a:p>
+        </p:txBody>
+      </p:sp>
+      <p:sp>
+        <p:nvSpPr>
+          <p:cNvPr id="59" name="Textfeld 58"/>
+          <p:cNvSpPr txBox="1"/>
+          <p:nvPr/>
+        </p:nvSpPr>
+        <p:spPr>
+          <a:xfrm>
+            <a:off x="5780419" y="4581128"/>
+            <a:ext cx="504056" cy="523220"/>
+          </a:xfrm>
+          <a:prstGeom prst="rect">
+            <a:avLst/>
+          </a:prstGeom>
+          <a:noFill/>
+          <a:ln w="19050">
+            <a:solidFill>
+              <a:schemeClr val="tx1"/>
+            </a:solidFill>
+          </a:ln>
+        </p:spPr>
+        <p:txBody>
+          <a:bodyPr wrap="square" rtlCol="0" anchor="ctr" anchorCtr="0">
+            <a:spAutoFit/>
+          </a:bodyPr>
+          <a:lstStyle/>
+          <a:p>
+            <a:r>
+              <a:rPr lang="de-DE" sz="2800" dirty="0" smtClean="0"/>
+              <a:t> </a:t>
+            </a:r>
+            <a:r>
+              <a:rPr lang="de-DE" sz="2800" dirty="0" smtClean="0"/>
+              <a:t>s</a:t>
+            </a:r>
+            <a:endParaRPr lang="de-DE" sz="2800" dirty="0" smtClean="0"/>
+          </a:p>
+        </p:txBody>
+      </p:sp>
+      <p:cxnSp>
+        <p:nvCxnSpPr>
+          <p:cNvPr id="60" name="Gerade Verbindung 59"/>
+          <p:cNvCxnSpPr/>
+          <p:nvPr/>
+        </p:nvCxnSpPr>
+        <p:spPr>
+          <a:xfrm>
+            <a:off x="6291483" y="1528329"/>
+            <a:ext cx="1008112" cy="0"/>
+          </a:xfrm>
+          <a:prstGeom prst="line">
+            <a:avLst/>
+          </a:prstGeom>
+          <a:ln w="19050">
+            <a:solidFill>
+              <a:schemeClr val="tx1"/>
+            </a:solidFill>
+            <a:tailEnd type="none"/>
+          </a:ln>
+        </p:spPr>
+        <p:style>
+          <a:lnRef idx="1">
+            <a:schemeClr val="accent1"/>
+          </a:lnRef>
+          <a:fillRef idx="0">
+            <a:schemeClr val="accent1"/>
+          </a:fillRef>
+          <a:effectRef idx="0">
+            <a:schemeClr val="accent1"/>
+          </a:effectRef>
+          <a:fontRef idx="minor">
+            <a:schemeClr val="tx1"/>
+          </a:fontRef>
+        </p:style>
+      </p:cxnSp>
+      <p:sp>
+        <p:nvSpPr>
+          <p:cNvPr id="62" name="Eckige Klammer links/rechts 61"/>
+          <p:cNvSpPr/>
+          <p:nvPr/>
+        </p:nvSpPr>
+        <p:spPr>
+          <a:xfrm>
+            <a:off x="6372200" y="2708920"/>
+            <a:ext cx="576064" cy="1008112"/>
+          </a:xfrm>
+          <a:prstGeom prst="bracketPair">
+            <a:avLst>
+              <a:gd name="adj" fmla="val 24188"/>
+            </a:avLst>
+          </a:prstGeom>
+          <a:ln w="19050" cap="flat">
+            <a:solidFill>
+              <a:schemeClr val="tx1"/>
+            </a:solidFill>
+            <a:round/>
+          </a:ln>
+        </p:spPr>
+        <p:style>
+          <a:lnRef idx="1">
+            <a:schemeClr val="accent1"/>
+          </a:lnRef>
+          <a:fillRef idx="0">
+            <a:schemeClr val="accent1"/>
+          </a:fillRef>
+          <a:effectRef idx="0">
+            <a:schemeClr val="accent1"/>
+          </a:effectRef>
+          <a:fontRef idx="minor">
+            <a:schemeClr val="tx1"/>
+          </a:fontRef>
+        </p:style>
+        <p:txBody>
+          <a:bodyPr rtlCol="0" anchor="ctr"/>
+          <a:lstStyle/>
+          <a:p>
+            <a:pPr algn="ctr"/>
+            <a:r>
+              <a:rPr lang="de-DE" dirty="0" smtClean="0"/>
+              <a:t>0.1</a:t>
+            </a:r>
+          </a:p>
+          <a:p>
+            <a:pPr algn="ctr"/>
+            <a:r>
+              <a:rPr lang="de-DE" dirty="0" smtClean="0"/>
+              <a:t>0.3</a:t>
+            </a:r>
+          </a:p>
+          <a:p>
+            <a:pPr algn="ctr"/>
+            <a:r>
+              <a:rPr lang="de-DE" dirty="0" smtClean="0"/>
+              <a:t>0.2</a:t>
+            </a:r>
+          </a:p>
+          <a:p>
+            <a:pPr algn="ctr"/>
+            <a:r>
+              <a:rPr lang="de-DE" dirty="0" smtClean="0"/>
+              <a:t>0.4</a:t>
+            </a:r>
+            <a:endParaRPr lang="de-DE" dirty="0"/>
+          </a:p>
+        </p:txBody>
+      </p:sp>
+      <p:sp>
+        <p:nvSpPr>
+          <p:cNvPr id="65" name="Textfeld 64"/>
+          <p:cNvSpPr txBox="1"/>
+          <p:nvPr/>
+        </p:nvSpPr>
+        <p:spPr>
+          <a:xfrm>
+            <a:off x="611560" y="1907540"/>
+            <a:ext cx="503664" cy="369332"/>
+          </a:xfrm>
+          <a:prstGeom prst="rect">
+            <a:avLst/>
+          </a:prstGeom>
+          <a:noFill/>
+        </p:spPr>
+        <p:txBody>
+          <a:bodyPr wrap="none" rtlCol="0">
+            <a:spAutoFit/>
+          </a:bodyPr>
+          <a:lstStyle/>
+          <a:p>
+            <a:r>
+              <a:rPr lang="de-DE" dirty="0" smtClean="0"/>
+              <a:t>p</a:t>
+            </a:r>
+            <a:r>
+              <a:rPr lang="de-DE" baseline="-25000" dirty="0" smtClean="0"/>
+              <a:t>0,</a:t>
+            </a:r>
+            <a:r>
+              <a:rPr lang="de-DE" baseline="-25000" dirty="0" smtClean="0"/>
+              <a:t>n</a:t>
+            </a:r>
+            <a:endParaRPr lang="de-DE" baseline="-25000" dirty="0" smtClean="0"/>
+          </a:p>
+        </p:txBody>
+      </p:sp>
+      <p:sp>
+        <p:nvSpPr>
+          <p:cNvPr id="66" name="Textfeld 65"/>
+          <p:cNvSpPr txBox="1"/>
+          <p:nvPr/>
+        </p:nvSpPr>
+        <p:spPr>
+          <a:xfrm>
+            <a:off x="611560" y="5229200"/>
+            <a:ext cx="495649" cy="369332"/>
+          </a:xfrm>
+          <a:prstGeom prst="rect">
+            <a:avLst/>
+          </a:prstGeom>
+          <a:noFill/>
+        </p:spPr>
+        <p:txBody>
+          <a:bodyPr wrap="none" rtlCol="0">
+            <a:spAutoFit/>
+          </a:bodyPr>
+          <a:lstStyle/>
+          <a:p>
+            <a:r>
+              <a:rPr lang="de-DE" dirty="0" err="1" smtClean="0"/>
+              <a:t>p</a:t>
+            </a:r>
+            <a:r>
+              <a:rPr lang="de-DE" baseline="-25000" dirty="0" err="1" smtClean="0"/>
+              <a:t>k</a:t>
+            </a:r>
+            <a:r>
+              <a:rPr lang="de-DE" baseline="-25000" dirty="0" err="1" smtClean="0"/>
+              <a:t>,n</a:t>
+            </a:r>
+            <a:endParaRPr lang="de-DE" baseline="-25000" dirty="0" smtClean="0"/>
+          </a:p>
+        </p:txBody>
+      </p:sp>
+      <p:sp>
+        <p:nvSpPr>
+          <p:cNvPr id="67" name="Textfeld 66"/>
+          <p:cNvSpPr txBox="1"/>
+          <p:nvPr/>
+        </p:nvSpPr>
+        <p:spPr>
+          <a:xfrm>
+            <a:off x="611560" y="4365104"/>
+            <a:ext cx="494046" cy="369332"/>
+          </a:xfrm>
+          <a:prstGeom prst="rect">
+            <a:avLst/>
+          </a:prstGeom>
+          <a:noFill/>
+        </p:spPr>
+        <p:txBody>
+          <a:bodyPr wrap="none" rtlCol="0">
+            <a:spAutoFit/>
+          </a:bodyPr>
+          <a:lstStyle/>
+          <a:p>
+            <a:r>
+              <a:rPr lang="de-DE" dirty="0" smtClean="0"/>
+              <a:t>p</a:t>
+            </a:r>
+            <a:r>
+              <a:rPr lang="de-DE" baseline="-25000" dirty="0" smtClean="0"/>
+              <a:t>k</a:t>
+            </a:r>
+            <a:r>
+              <a:rPr lang="de-DE" baseline="-25000" dirty="0" smtClean="0"/>
+              <a:t>,</a:t>
+            </a:r>
+            <a:r>
+              <a:rPr lang="de-DE" baseline="-25000" dirty="0" smtClean="0"/>
+              <a:t>1</a:t>
+            </a:r>
+            <a:endParaRPr lang="de-DE" baseline="-25000" dirty="0" smtClean="0"/>
+          </a:p>
+        </p:txBody>
+      </p:sp>
+      <p:sp>
+        <p:nvSpPr>
+          <p:cNvPr id="68" name="Textfeld 67"/>
+          <p:cNvSpPr txBox="1"/>
+          <p:nvPr/>
+        </p:nvSpPr>
+        <p:spPr>
+          <a:xfrm>
+            <a:off x="611560" y="3789040"/>
+            <a:ext cx="490840" cy="369332"/>
+          </a:xfrm>
+          <a:prstGeom prst="rect">
+            <a:avLst/>
+          </a:prstGeom>
+          <a:noFill/>
+        </p:spPr>
+        <p:txBody>
+          <a:bodyPr wrap="none" rtlCol="0">
+            <a:spAutoFit/>
+          </a:bodyPr>
+          <a:lstStyle/>
+          <a:p>
+            <a:r>
+              <a:rPr lang="de-DE" dirty="0" smtClean="0"/>
+              <a:t>P</a:t>
+            </a:r>
+            <a:r>
+              <a:rPr lang="de-DE" baseline="-25000" dirty="0" smtClean="0"/>
+              <a:t>k</a:t>
+            </a:r>
+            <a:r>
+              <a:rPr lang="de-DE" baseline="-25000" dirty="0" smtClean="0"/>
+              <a:t>,0</a:t>
+            </a:r>
+            <a:endParaRPr lang="de-DE" baseline="-25000" dirty="0" smtClean="0"/>
+          </a:p>
+        </p:txBody>
+      </p:sp>
+      <p:cxnSp>
+        <p:nvCxnSpPr>
+          <p:cNvPr id="70" name="Gewinkelte Verbindung 69"/>
+          <p:cNvCxnSpPr>
+            <a:stCxn id="58" idx="2"/>
+          </p:cNvCxnSpPr>
+          <p:nvPr/>
+        </p:nvCxnSpPr>
+        <p:spPr>
+          <a:xfrm flipH="1">
+            <a:off x="5652121" y="1791980"/>
+            <a:ext cx="380326" cy="3051056"/>
+          </a:xfrm>
+          <a:prstGeom prst="straightConnector1">
+            <a:avLst/>
+          </a:prstGeom>
+          <a:ln w="19050">
+            <a:solidFill>
+              <a:schemeClr val="tx1"/>
+            </a:solidFill>
+            <a:tailEnd type="oval"/>
+          </a:ln>
+        </p:spPr>
+        <p:style>
+          <a:lnRef idx="1">
+            <a:schemeClr val="accent1"/>
+          </a:lnRef>
+          <a:fillRef idx="0">
+            <a:schemeClr val="accent1"/>
+          </a:fillRef>
+          <a:effectRef idx="0">
+            <a:schemeClr val="accent1"/>
+          </a:effectRef>
+          <a:fontRef idx="minor">
+            <a:schemeClr val="tx1"/>
+          </a:fontRef>
+        </p:style>
+      </p:cxnSp>
+      <p:cxnSp>
+        <p:nvCxnSpPr>
+          <p:cNvPr id="74" name="Gewinkelte Verbindung 73"/>
+          <p:cNvCxnSpPr>
+            <a:stCxn id="59" idx="0"/>
+          </p:cNvCxnSpPr>
+          <p:nvPr/>
+        </p:nvCxnSpPr>
+        <p:spPr>
+          <a:xfrm flipH="1" flipV="1">
+            <a:off x="5652123" y="1521956"/>
+            <a:ext cx="380324" cy="3059172"/>
+          </a:xfrm>
+          <a:prstGeom prst="straightConnector1">
+            <a:avLst/>
+          </a:prstGeom>
+          <a:ln w="19050">
+            <a:solidFill>
+              <a:schemeClr val="tx1"/>
+            </a:solidFill>
+            <a:tailEnd type="oval"/>
+          </a:ln>
+        </p:spPr>
+        <p:style>
+          <a:lnRef idx="1">
+            <a:schemeClr val="accent1"/>
+          </a:lnRef>
+          <a:fillRef idx="0">
+            <a:schemeClr val="accent1"/>
+          </a:fillRef>
+          <a:effectRef idx="0">
+            <a:schemeClr val="accent1"/>
+          </a:effectRef>
+          <a:fontRef idx="minor">
+            <a:schemeClr val="tx1"/>
+          </a:fontRef>
+        </p:style>
+      </p:cxnSp>
+      <p:cxnSp>
+        <p:nvCxnSpPr>
+          <p:cNvPr id="82" name="Gerade Verbindung 81"/>
+          <p:cNvCxnSpPr>
+            <a:endCxn id="62" idx="0"/>
+          </p:cNvCxnSpPr>
+          <p:nvPr/>
+        </p:nvCxnSpPr>
+        <p:spPr>
+          <a:xfrm>
+            <a:off x="6660232" y="1556792"/>
+            <a:ext cx="0" cy="1152128"/>
+          </a:xfrm>
+          <a:prstGeom prst="line">
+            <a:avLst/>
+          </a:prstGeom>
+          <a:ln w="12700">
+            <a:solidFill>
+              <a:schemeClr val="tx1"/>
+            </a:solidFill>
+            <a:prstDash val="dash"/>
+            <a:tailEnd type="arrow"/>
+          </a:ln>
+        </p:spPr>
+        <p:style>
+          <a:lnRef idx="1">
+            <a:schemeClr val="accent1"/>
+          </a:lnRef>
+          <a:fillRef idx="0">
+            <a:schemeClr val="accent1"/>
+          </a:fillRef>
+          <a:effectRef idx="0">
+            <a:schemeClr val="accent1"/>
+          </a:effectRef>
+          <a:fontRef idx="minor">
+            <a:schemeClr val="tx1"/>
+          </a:fontRef>
+        </p:style>
+      </p:cxnSp>
+      <p:cxnSp>
+        <p:nvCxnSpPr>
+          <p:cNvPr id="87" name="Gerade Verbindung 86"/>
+          <p:cNvCxnSpPr>
+            <a:endCxn id="62" idx="2"/>
+          </p:cNvCxnSpPr>
+          <p:nvPr/>
+        </p:nvCxnSpPr>
+        <p:spPr>
+          <a:xfrm flipV="1">
+            <a:off x="6660232" y="3717032"/>
+            <a:ext cx="0" cy="1080120"/>
+          </a:xfrm>
+          <a:prstGeom prst="line">
+            <a:avLst/>
+          </a:prstGeom>
+          <a:ln w="12700">
+            <a:solidFill>
+              <a:schemeClr val="tx1"/>
+            </a:solidFill>
+            <a:prstDash val="dash"/>
+            <a:tailEnd type="arrow"/>
+          </a:ln>
+        </p:spPr>
+        <p:style>
+          <a:lnRef idx="1">
+            <a:schemeClr val="accent1"/>
+          </a:lnRef>
+          <a:fillRef idx="0">
+            <a:schemeClr val="accent1"/>
+          </a:fillRef>
+          <a:effectRef idx="0">
+            <a:schemeClr val="accent1"/>
+          </a:effectRef>
+          <a:fontRef idx="minor">
+            <a:schemeClr val="tx1"/>
+          </a:fontRef>
+        </p:style>
+      </p:cxnSp>
+      <p:sp>
+        <p:nvSpPr>
+          <p:cNvPr id="90" name="Textfeld 89"/>
+          <p:cNvSpPr txBox="1"/>
+          <p:nvPr/>
+        </p:nvSpPr>
+        <p:spPr>
+          <a:xfrm>
+            <a:off x="6300192" y="1170625"/>
+            <a:ext cx="385042" cy="369332"/>
+          </a:xfrm>
+          <a:prstGeom prst="rect">
+            <a:avLst/>
+          </a:prstGeom>
+          <a:noFill/>
+        </p:spPr>
+        <p:txBody>
+          <a:bodyPr wrap="none" rtlCol="0">
+            <a:spAutoFit/>
+          </a:bodyPr>
+          <a:lstStyle/>
+          <a:p>
+            <a:r>
+              <a:rPr lang="de-DE" dirty="0" smtClean="0"/>
+              <a:t>p</a:t>
+            </a:r>
+            <a:r>
+              <a:rPr lang="de-DE" baseline="-25000" dirty="0" smtClean="0"/>
+              <a:t>0</a:t>
+            </a:r>
+            <a:endParaRPr lang="de-DE" baseline="-25000" dirty="0"/>
+          </a:p>
+        </p:txBody>
+      </p:sp>
+      <p:sp>
+        <p:nvSpPr>
+          <p:cNvPr id="91" name="Textfeld 90"/>
+          <p:cNvSpPr txBox="1"/>
+          <p:nvPr/>
+        </p:nvSpPr>
+        <p:spPr>
+          <a:xfrm>
+            <a:off x="6300192" y="4499828"/>
+            <a:ext cx="377026" cy="369332"/>
+          </a:xfrm>
+          <a:prstGeom prst="rect">
+            <a:avLst/>
+          </a:prstGeom>
+          <a:noFill/>
+        </p:spPr>
+        <p:txBody>
+          <a:bodyPr wrap="none" rtlCol="0">
+            <a:spAutoFit/>
+          </a:bodyPr>
+          <a:lstStyle/>
+          <a:p>
+            <a:r>
+              <a:rPr lang="de-DE" dirty="0" err="1" smtClean="0"/>
+              <a:t>p</a:t>
+            </a:r>
+            <a:r>
+              <a:rPr lang="de-DE" baseline="-25000" dirty="0" err="1" smtClean="0"/>
+              <a:t>k</a:t>
+            </a:r>
+            <a:endParaRPr lang="de-DE" baseline="-25000" dirty="0"/>
+          </a:p>
+        </p:txBody>
+      </p:sp>
+      <p:sp>
+        <p:nvSpPr>
+          <p:cNvPr id="92" name="Textfeld 91"/>
+          <p:cNvSpPr txBox="1"/>
+          <p:nvPr/>
+        </p:nvSpPr>
+        <p:spPr>
+          <a:xfrm>
+            <a:off x="7308304" y="1340768"/>
+            <a:ext cx="720080" cy="3672408"/>
+          </a:xfrm>
+          <a:prstGeom prst="rect">
+            <a:avLst/>
+          </a:prstGeom>
+          <a:noFill/>
+          <a:ln w="19050">
+            <a:solidFill>
+              <a:schemeClr val="tx1"/>
+            </a:solidFill>
+          </a:ln>
+        </p:spPr>
+        <p:txBody>
+          <a:bodyPr wrap="square" rtlCol="0" anchor="ctr" anchorCtr="0">
+            <a:noAutofit/>
+          </a:bodyPr>
+          <a:lstStyle/>
+          <a:p>
+            <a:r>
+              <a:rPr lang="de-DE" sz="2400" dirty="0" smtClean="0"/>
+              <a:t>Loss</a:t>
+            </a:r>
+            <a:endParaRPr lang="de-DE" sz="2400" dirty="0" smtClean="0"/>
+          </a:p>
+        </p:txBody>
+      </p:sp>
+      <p:cxnSp>
+        <p:nvCxnSpPr>
+          <p:cNvPr id="97" name="Gerade Verbindung 96"/>
+          <p:cNvCxnSpPr/>
+          <p:nvPr/>
+        </p:nvCxnSpPr>
+        <p:spPr>
+          <a:xfrm>
+            <a:off x="6295830" y="4845369"/>
+            <a:ext cx="1008112" cy="0"/>
+          </a:xfrm>
+          <a:prstGeom prst="line">
+            <a:avLst/>
+          </a:prstGeom>
+          <a:ln w="19050">
+            <a:solidFill>
+              <a:schemeClr val="tx1"/>
+            </a:solidFill>
+            <a:tailEnd type="none"/>
+          </a:ln>
+        </p:spPr>
+        <p:style>
+          <a:lnRef idx="1">
+            <a:schemeClr val="accent1"/>
+          </a:lnRef>
+          <a:fillRef idx="0">
+            <a:schemeClr val="accent1"/>
+          </a:fillRef>
+          <a:effectRef idx="0">
+            <a:schemeClr val="accent1"/>
+          </a:effectRef>
+          <a:fontRef idx="minor">
+            <a:schemeClr val="tx1"/>
+          </a:fontRef>
+        </p:style>
+      </p:cxnSp>
+      <p:cxnSp>
+        <p:nvCxnSpPr>
+          <p:cNvPr id="99" name="Gerade Verbindung mit Pfeil 98"/>
+          <p:cNvCxnSpPr>
+            <a:endCxn id="92" idx="0"/>
+          </p:cNvCxnSpPr>
+          <p:nvPr/>
+        </p:nvCxnSpPr>
+        <p:spPr>
+          <a:xfrm>
+            <a:off x="7668344" y="980728"/>
+            <a:ext cx="0" cy="360040"/>
+          </a:xfrm>
+          <a:prstGeom prst="straightConnector1">
+            <a:avLst/>
+          </a:prstGeom>
+          <a:ln w="19050">
+            <a:solidFill>
+              <a:schemeClr val="tx1"/>
+            </a:solidFill>
+            <a:tailEnd type="arrow"/>
+          </a:ln>
+        </p:spPr>
+        <p:style>
+          <a:lnRef idx="1">
+            <a:schemeClr val="accent1"/>
+          </a:lnRef>
+          <a:fillRef idx="0">
+            <a:schemeClr val="accent1"/>
+          </a:fillRef>
+          <a:effectRef idx="0">
+            <a:schemeClr val="accent1"/>
+          </a:effectRef>
+          <a:fontRef idx="minor">
+            <a:schemeClr val="tx1"/>
+          </a:fontRef>
+        </p:style>
+      </p:cxnSp>
+      <p:cxnSp>
+        <p:nvCxnSpPr>
+          <p:cNvPr id="102" name="Gerade Verbindung mit Pfeil 101"/>
+          <p:cNvCxnSpPr/>
+          <p:nvPr/>
+        </p:nvCxnSpPr>
+        <p:spPr>
+          <a:xfrm flipV="1">
+            <a:off x="7668344" y="5013176"/>
+            <a:ext cx="0" cy="360040"/>
+          </a:xfrm>
+          <a:prstGeom prst="straightConnector1">
+            <a:avLst/>
+          </a:prstGeom>
+          <a:ln w="19050">
+            <a:solidFill>
+              <a:schemeClr val="tx1"/>
+            </a:solidFill>
+            <a:tailEnd type="arrow"/>
+          </a:ln>
+        </p:spPr>
+        <p:style>
+          <a:lnRef idx="1">
+            <a:schemeClr val="accent1"/>
+          </a:lnRef>
+          <a:fillRef idx="0">
+            <a:schemeClr val="accent1"/>
+          </a:fillRef>
+          <a:effectRef idx="0">
+            <a:schemeClr val="accent1"/>
+          </a:effectRef>
+          <a:fontRef idx="minor">
+            <a:schemeClr val="tx1"/>
+          </a:fontRef>
+        </p:style>
+      </p:cxnSp>
+      <p:sp>
+        <p:nvSpPr>
+          <p:cNvPr id="106" name="Textfeld 105"/>
+          <p:cNvSpPr txBox="1"/>
+          <p:nvPr/>
+        </p:nvSpPr>
+        <p:spPr>
+          <a:xfrm>
+            <a:off x="7452320" y="620688"/>
+            <a:ext cx="367408" cy="369332"/>
+          </a:xfrm>
+          <a:prstGeom prst="rect">
+            <a:avLst/>
+          </a:prstGeom>
+          <a:noFill/>
+        </p:spPr>
+        <p:txBody>
+          <a:bodyPr wrap="none" rtlCol="0">
+            <a:spAutoFit/>
+          </a:bodyPr>
+          <a:lstStyle/>
+          <a:p>
+            <a:r>
+              <a:rPr lang="de-DE" dirty="0" smtClean="0"/>
+              <a:t>y</a:t>
+            </a:r>
+            <a:r>
+              <a:rPr lang="de-DE" baseline="-25000" dirty="0" smtClean="0"/>
+              <a:t>0</a:t>
+            </a:r>
+            <a:endParaRPr lang="de-DE" baseline="-25000" dirty="0"/>
+          </a:p>
+        </p:txBody>
+      </p:sp>
+      <p:sp>
+        <p:nvSpPr>
+          <p:cNvPr id="107" name="Textfeld 106"/>
+          <p:cNvSpPr txBox="1"/>
+          <p:nvPr/>
+        </p:nvSpPr>
+        <p:spPr>
+          <a:xfrm>
+            <a:off x="7524328" y="5373216"/>
+            <a:ext cx="359394" cy="369332"/>
+          </a:xfrm>
+          <a:prstGeom prst="rect">
+            <a:avLst/>
+          </a:prstGeom>
+          <a:noFill/>
+        </p:spPr>
+        <p:txBody>
+          <a:bodyPr wrap="none" rtlCol="0">
+            <a:spAutoFit/>
+          </a:bodyPr>
+          <a:lstStyle/>
+          <a:p>
+            <a:r>
+              <a:rPr lang="de-DE" dirty="0" err="1" smtClean="0"/>
+              <a:t>y</a:t>
+            </a:r>
+            <a:r>
+              <a:rPr lang="de-DE" baseline="-25000" dirty="0" err="1" smtClean="0"/>
+              <a:t>k</a:t>
+            </a:r>
+            <a:endParaRPr lang="de-DE" baseline="-25000" dirty="0"/>
+          </a:p>
+        </p:txBody>
+      </p:sp>
+      <p:cxnSp>
+        <p:nvCxnSpPr>
+          <p:cNvPr id="108" name="Gerade Verbindung mit Pfeil 107"/>
+          <p:cNvCxnSpPr/>
+          <p:nvPr/>
+        </p:nvCxnSpPr>
+        <p:spPr>
+          <a:xfrm>
+            <a:off x="8028384" y="3212976"/>
+            <a:ext cx="360040" cy="0"/>
+          </a:xfrm>
+          <a:prstGeom prst="straightConnector1">
+            <a:avLst/>
+          </a:prstGeom>
+          <a:ln w="19050">
+            <a:solidFill>
+              <a:schemeClr val="tx1"/>
+            </a:solidFill>
+            <a:tailEnd type="arrow"/>
+          </a:ln>
+        </p:spPr>
+        <p:style>
+          <a:lnRef idx="1">
+            <a:schemeClr val="accent1"/>
+          </a:lnRef>
+          <a:fillRef idx="0">
+            <a:schemeClr val="accent1"/>
+          </a:fillRef>
+          <a:effectRef idx="0">
+            <a:schemeClr val="accent1"/>
+          </a:effectRef>
+          <a:fontRef idx="minor">
+            <a:schemeClr val="tx1"/>
+          </a:fontRef>
+        </p:style>
+      </p:cxnSp>
+      <p:sp>
+        <p:nvSpPr>
+          <p:cNvPr id="110" name="Rechteck 109"/>
+          <p:cNvSpPr/>
+          <p:nvPr/>
+        </p:nvSpPr>
+        <p:spPr>
+          <a:xfrm>
+            <a:off x="8388424" y="2996952"/>
+            <a:ext cx="282450" cy="369332"/>
+          </a:xfrm>
+          <a:prstGeom prst="rect">
+            <a:avLst/>
+          </a:prstGeom>
+        </p:spPr>
+        <p:txBody>
+          <a:bodyPr wrap="none">
+            <a:spAutoFit/>
+          </a:bodyPr>
+          <a:lstStyle/>
+          <a:p>
+            <a:r>
+              <a:rPr lang="de-DE" dirty="0" smtClean="0"/>
+              <a:t>L</a:t>
+            </a:r>
+            <a:endParaRPr lang="de-DE" dirty="0"/>
+          </a:p>
+        </p:txBody>
+      </p:sp>
+      <p:sp>
+        <p:nvSpPr>
+          <p:cNvPr id="112" name="Textfeld 111"/>
+          <p:cNvSpPr txBox="1"/>
+          <p:nvPr/>
+        </p:nvSpPr>
+        <p:spPr>
+          <a:xfrm>
+            <a:off x="3635896" y="2708920"/>
+            <a:ext cx="242374" cy="923330"/>
+          </a:xfrm>
+          <a:prstGeom prst="rect">
+            <a:avLst/>
+          </a:prstGeom>
+          <a:noFill/>
+        </p:spPr>
+        <p:txBody>
+          <a:bodyPr wrap="none" rtlCol="0">
+            <a:spAutoFit/>
+          </a:bodyPr>
+          <a:lstStyle/>
+          <a:p>
+            <a:r>
+              <a:rPr lang="de-DE" dirty="0" smtClean="0"/>
+              <a:t>.</a:t>
+            </a:r>
+            <a:endParaRPr lang="de-DE" dirty="0" smtClean="0"/>
+          </a:p>
+          <a:p>
+            <a:endParaRPr lang="de-DE" dirty="0" smtClean="0"/>
+          </a:p>
+          <a:p>
+            <a:r>
+              <a:rPr lang="de-DE" dirty="0" smtClean="0"/>
+              <a:t>.</a:t>
+            </a:r>
+            <a:endParaRPr lang="de-DE" dirty="0"/>
+          </a:p>
+        </p:txBody>
+      </p:sp>
     </p:spTree>
   </p:cSld>
   <p:clrMapOvr>

--- a/Algorithms/Common/Network.pptx
+++ b/Algorithms/Common/Network.pptx
@@ -8,6 +8,7 @@
     <p:sldId id="256" r:id="rId2"/>
     <p:sldId id="257" r:id="rId3"/>
     <p:sldId id="258" r:id="rId4"/>
+    <p:sldId id="259" r:id="rId5"/>
   </p:sldIdLst>
   <p:sldSz cx="9144000" cy="6858000" type="screen4x3"/>
   <p:notesSz cx="6858000" cy="9144000"/>
@@ -291,7 +292,7 @@
             <a:fld id="{98BED238-A072-4D15-8960-7502FCAD76F9}" type="datetimeFigureOut">
               <a:rPr lang="de-DE" smtClean="0"/>
               <a:pPr/>
-              <a:t>23.11.2024</a:t>
+              <a:t>30.11.2024</a:t>
             </a:fld>
             <a:endParaRPr lang="de-DE"/>
           </a:p>
@@ -458,7 +459,7 @@
             <a:fld id="{98BED238-A072-4D15-8960-7502FCAD76F9}" type="datetimeFigureOut">
               <a:rPr lang="de-DE" smtClean="0"/>
               <a:pPr/>
-              <a:t>23.11.2024</a:t>
+              <a:t>30.11.2024</a:t>
             </a:fld>
             <a:endParaRPr lang="de-DE"/>
           </a:p>
@@ -635,7 +636,7 @@
             <a:fld id="{98BED238-A072-4D15-8960-7502FCAD76F9}" type="datetimeFigureOut">
               <a:rPr lang="de-DE" smtClean="0"/>
               <a:pPr/>
-              <a:t>23.11.2024</a:t>
+              <a:t>30.11.2024</a:t>
             </a:fld>
             <a:endParaRPr lang="de-DE"/>
           </a:p>
@@ -802,7 +803,7 @@
             <a:fld id="{98BED238-A072-4D15-8960-7502FCAD76F9}" type="datetimeFigureOut">
               <a:rPr lang="de-DE" smtClean="0"/>
               <a:pPr/>
-              <a:t>23.11.2024</a:t>
+              <a:t>30.11.2024</a:t>
             </a:fld>
             <a:endParaRPr lang="de-DE"/>
           </a:p>
@@ -1045,7 +1046,7 @@
             <a:fld id="{98BED238-A072-4D15-8960-7502FCAD76F9}" type="datetimeFigureOut">
               <a:rPr lang="de-DE" smtClean="0"/>
               <a:pPr/>
-              <a:t>23.11.2024</a:t>
+              <a:t>30.11.2024</a:t>
             </a:fld>
             <a:endParaRPr lang="de-DE"/>
           </a:p>
@@ -1330,7 +1331,7 @@
             <a:fld id="{98BED238-A072-4D15-8960-7502FCAD76F9}" type="datetimeFigureOut">
               <a:rPr lang="de-DE" smtClean="0"/>
               <a:pPr/>
-              <a:t>23.11.2024</a:t>
+              <a:t>30.11.2024</a:t>
             </a:fld>
             <a:endParaRPr lang="de-DE"/>
           </a:p>
@@ -1749,7 +1750,7 @@
             <a:fld id="{98BED238-A072-4D15-8960-7502FCAD76F9}" type="datetimeFigureOut">
               <a:rPr lang="de-DE" smtClean="0"/>
               <a:pPr/>
-              <a:t>23.11.2024</a:t>
+              <a:t>30.11.2024</a:t>
             </a:fld>
             <a:endParaRPr lang="de-DE"/>
           </a:p>
@@ -1864,7 +1865,7 @@
             <a:fld id="{98BED238-A072-4D15-8960-7502FCAD76F9}" type="datetimeFigureOut">
               <a:rPr lang="de-DE" smtClean="0"/>
               <a:pPr/>
-              <a:t>23.11.2024</a:t>
+              <a:t>30.11.2024</a:t>
             </a:fld>
             <a:endParaRPr lang="de-DE"/>
           </a:p>
@@ -1956,7 +1957,7 @@
             <a:fld id="{98BED238-A072-4D15-8960-7502FCAD76F9}" type="datetimeFigureOut">
               <a:rPr lang="de-DE" smtClean="0"/>
               <a:pPr/>
-              <a:t>23.11.2024</a:t>
+              <a:t>30.11.2024</a:t>
             </a:fld>
             <a:endParaRPr lang="de-DE"/>
           </a:p>
@@ -2230,7 +2231,7 @@
             <a:fld id="{98BED238-A072-4D15-8960-7502FCAD76F9}" type="datetimeFigureOut">
               <a:rPr lang="de-DE" smtClean="0"/>
               <a:pPr/>
-              <a:t>23.11.2024</a:t>
+              <a:t>30.11.2024</a:t>
             </a:fld>
             <a:endParaRPr lang="de-DE"/>
           </a:p>
@@ -2480,7 +2481,7 @@
             <a:fld id="{98BED238-A072-4D15-8960-7502FCAD76F9}" type="datetimeFigureOut">
               <a:rPr lang="de-DE" smtClean="0"/>
               <a:pPr/>
-              <a:t>23.11.2024</a:t>
+              <a:t>30.11.2024</a:t>
             </a:fld>
             <a:endParaRPr lang="de-DE"/>
           </a:p>
@@ -2690,7 +2691,7 @@
             <a:fld id="{98BED238-A072-4D15-8960-7502FCAD76F9}" type="datetimeFigureOut">
               <a:rPr lang="de-DE" smtClean="0"/>
               <a:pPr/>
-              <a:t>23.11.2024</a:t>
+              <a:t>30.11.2024</a:t>
             </a:fld>
             <a:endParaRPr lang="de-DE"/>
           </a:p>
@@ -4341,11 +4342,11 @@
             <a:lstStyle/>
             <a:p>
               <a:r>
-                <a:rPr lang="de-DE" dirty="0" err="1" smtClean="0"/>
+                <a:rPr lang="de-DE" dirty="0" smtClean="0"/>
                 <a:t>p</a:t>
               </a:r>
               <a:r>
-                <a:rPr lang="de-DE" baseline="-25000" dirty="0" err="1" smtClean="0"/>
+                <a:rPr lang="de-DE" baseline="-25000" dirty="0" smtClean="0"/>
                 <a:t>k</a:t>
               </a:r>
               <a:endParaRPr lang="de-DE" baseline="-25000" dirty="0"/>
@@ -5287,7 +5288,6 @@
                 <a:rPr lang="de-DE" baseline="-25000" dirty="0" smtClean="0"/>
                 <a:t>0</a:t>
               </a:r>
-              <a:endParaRPr lang="de-DE" baseline="-25000" dirty="0" smtClean="0"/>
             </a:p>
           </p:txBody>
         </p:sp>
@@ -5315,11 +5315,7 @@
             <a:p>
               <a:r>
                 <a:rPr lang="de-DE" dirty="0" smtClean="0"/>
-                <a:t>p</a:t>
-              </a:r>
-              <a:r>
-                <a:rPr lang="de-DE" dirty="0" smtClean="0"/>
-                <a:t>, a</a:t>
+                <a:t>p, a</a:t>
               </a:r>
               <a:endParaRPr lang="de-DE" baseline="-25000" dirty="0"/>
             </a:p>
@@ -5736,7 +5732,6 @@
                 <a:rPr lang="de-DE" sz="2400" dirty="0" smtClean="0"/>
                 <a:t>1</a:t>
               </a:r>
-              <a:endParaRPr lang="de-DE" sz="2400" dirty="0" smtClean="0"/>
             </a:p>
           </p:txBody>
         </p:sp>
@@ -6147,7 +6142,6 @@
                 <a:rPr lang="de-DE" baseline="-25000" dirty="0" smtClean="0"/>
                 <a:t>0,0</a:t>
               </a:r>
-              <a:endParaRPr lang="de-DE" baseline="-25000" dirty="0" smtClean="0"/>
             </a:p>
           </p:txBody>
         </p:sp>
@@ -6240,13 +6234,8 @@
             </a:r>
             <a:r>
               <a:rPr lang="de-DE" baseline="-25000" dirty="0" smtClean="0"/>
-              <a:t>0,</a:t>
+              <a:t>0,1</a:t>
             </a:r>
-            <a:r>
-              <a:rPr lang="de-DE" baseline="-25000" dirty="0" smtClean="0"/>
-              <a:t>1</a:t>
-            </a:r>
-            <a:endParaRPr lang="de-DE" baseline="-25000" dirty="0" smtClean="0"/>
           </a:p>
         </p:txBody>
       </p:sp>
@@ -6523,7 +6512,6 @@
                 <a:rPr lang="de-DE" sz="2400" dirty="0" smtClean="0"/>
                 <a:t>1</a:t>
               </a:r>
-              <a:endParaRPr lang="de-DE" sz="2400" dirty="0" smtClean="0"/>
             </a:p>
           </p:txBody>
         </p:sp>
@@ -6994,13 +6982,8 @@
           <a:p>
             <a:r>
               <a:rPr lang="de-DE" sz="2800" dirty="0" smtClean="0"/>
-              <a:t> </a:t>
+              <a:t> s</a:t>
             </a:r>
-            <a:r>
-              <a:rPr lang="de-DE" sz="2800" dirty="0" smtClean="0"/>
-              <a:t>s</a:t>
-            </a:r>
-            <a:endParaRPr lang="de-DE" sz="2800" dirty="0" smtClean="0"/>
           </a:p>
         </p:txBody>
       </p:sp>
@@ -7033,13 +7016,8 @@
           <a:p>
             <a:r>
               <a:rPr lang="de-DE" sz="2800" dirty="0" smtClean="0"/>
-              <a:t> </a:t>
+              <a:t> s</a:t>
             </a:r>
-            <a:r>
-              <a:rPr lang="de-DE" sz="2800" dirty="0" smtClean="0"/>
-              <a:t>s</a:t>
-            </a:r>
-            <a:endParaRPr lang="de-DE" sz="2800" dirty="0" smtClean="0"/>
           </a:p>
         </p:txBody>
       </p:sp>
@@ -7178,13 +7156,8 @@
             </a:r>
             <a:r>
               <a:rPr lang="de-DE" baseline="-25000" dirty="0" smtClean="0"/>
-              <a:t>0,</a:t>
+              <a:t>0,n</a:t>
             </a:r>
-            <a:r>
-              <a:rPr lang="de-DE" baseline="-25000" dirty="0" smtClean="0"/>
-              <a:t>n</a:t>
-            </a:r>
-            <a:endParaRPr lang="de-DE" baseline="-25000" dirty="0" smtClean="0"/>
           </a:p>
         </p:txBody>
       </p:sp>
@@ -7216,11 +7189,7 @@
             </a:r>
             <a:r>
               <a:rPr lang="de-DE" baseline="-25000" dirty="0" err="1" smtClean="0"/>
-              <a:t>k</a:t>
-            </a:r>
-            <a:r>
-              <a:rPr lang="de-DE" baseline="-25000" dirty="0" err="1" smtClean="0"/>
-              <a:t>,n</a:t>
+              <a:t>k,n</a:t>
             </a:r>
             <a:endParaRPr lang="de-DE" baseline="-25000" dirty="0" smtClean="0"/>
           </a:p>
@@ -7254,17 +7223,8 @@
             </a:r>
             <a:r>
               <a:rPr lang="de-DE" baseline="-25000" dirty="0" smtClean="0"/>
-              <a:t>k</a:t>
+              <a:t>k,1</a:t>
             </a:r>
-            <a:r>
-              <a:rPr lang="de-DE" baseline="-25000" dirty="0" smtClean="0"/>
-              <a:t>,</a:t>
-            </a:r>
-            <a:r>
-              <a:rPr lang="de-DE" baseline="-25000" dirty="0" smtClean="0"/>
-              <a:t>1</a:t>
-            </a:r>
-            <a:endParaRPr lang="de-DE" baseline="-25000" dirty="0" smtClean="0"/>
           </a:p>
         </p:txBody>
       </p:sp>
@@ -7296,13 +7256,8 @@
             </a:r>
             <a:r>
               <a:rPr lang="de-DE" baseline="-25000" dirty="0" smtClean="0"/>
-              <a:t>k</a:t>
+              <a:t>k,0</a:t>
             </a:r>
-            <a:r>
-              <a:rPr lang="de-DE" baseline="-25000" dirty="0" smtClean="0"/>
-              <a:t>,0</a:t>
-            </a:r>
-            <a:endParaRPr lang="de-DE" baseline="-25000" dirty="0" smtClean="0"/>
           </a:p>
         </p:txBody>
       </p:sp>
@@ -7517,11 +7472,11 @@
           <a:lstStyle/>
           <a:p>
             <a:r>
-              <a:rPr lang="de-DE" dirty="0" err="1" smtClean="0"/>
+              <a:rPr lang="de-DE" dirty="0" smtClean="0"/>
               <a:t>p</a:t>
             </a:r>
             <a:r>
-              <a:rPr lang="de-DE" baseline="-25000" dirty="0" err="1" smtClean="0"/>
+              <a:rPr lang="de-DE" baseline="-25000" dirty="0" smtClean="0"/>
               <a:t>k</a:t>
             </a:r>
             <a:endParaRPr lang="de-DE" baseline="-25000" dirty="0"/>
@@ -7559,7 +7514,6 @@
               <a:rPr lang="de-DE" sz="2400" dirty="0" smtClean="0"/>
               <a:t>Loss</a:t>
             </a:r>
-            <a:endParaRPr lang="de-DE" sz="2400" dirty="0" smtClean="0"/>
           </a:p>
         </p:txBody>
       </p:sp>
@@ -7832,7 +7786,6 @@
               <a:rPr lang="de-DE" dirty="0" smtClean="0"/>
               <a:t>.</a:t>
             </a:r>
-            <a:endParaRPr lang="de-DE" dirty="0" smtClean="0"/>
           </a:p>
           <a:p>
             <a:endParaRPr lang="de-DE" dirty="0" smtClean="0"/>
@@ -7846,6 +7799,1764 @@
           </a:p>
         </p:txBody>
       </p:sp>
+    </p:spTree>
+  </p:cSld>
+  <p:clrMapOvr>
+    <a:masterClrMapping/>
+  </p:clrMapOvr>
+</p:sld>
+</file>
+
+<file path=ppt/slides/slide4.xml><?xml version="1.0" encoding="utf-8"?>
+<p:sld xmlns:a="http://schemas.openxmlformats.org/drawingml/2006/main" xmlns:r="http://schemas.openxmlformats.org/officeDocument/2006/relationships" xmlns:p="http://schemas.openxmlformats.org/presentationml/2006/main">
+  <p:cSld>
+    <p:spTree>
+      <p:nvGrpSpPr>
+        <p:cNvPr id="1" name=""/>
+        <p:cNvGrpSpPr/>
+        <p:nvPr/>
+      </p:nvGrpSpPr>
+      <p:grpSpPr>
+        <a:xfrm>
+          <a:off x="0" y="0"/>
+          <a:ext cx="0" cy="0"/>
+          <a:chOff x="0" y="0"/>
+          <a:chExt cx="0" cy="0"/>
+        </a:xfrm>
+      </p:grpSpPr>
+      <p:grpSp>
+        <p:nvGrpSpPr>
+          <p:cNvPr id="86" name="Gruppieren 85"/>
+          <p:cNvGrpSpPr/>
+          <p:nvPr/>
+        </p:nvGrpSpPr>
+        <p:grpSpPr>
+          <a:xfrm>
+            <a:off x="467544" y="1700808"/>
+            <a:ext cx="8073605" cy="3290883"/>
+            <a:chOff x="795222" y="1052736"/>
+            <a:chExt cx="8073605" cy="3290883"/>
+          </a:xfrm>
+        </p:grpSpPr>
+        <p:grpSp>
+          <p:nvGrpSpPr>
+            <p:cNvPr id="26" name="Gruppieren 25"/>
+            <p:cNvGrpSpPr/>
+            <p:nvPr/>
+          </p:nvGrpSpPr>
+          <p:grpSpPr>
+            <a:xfrm>
+              <a:off x="4548347" y="1803593"/>
+              <a:ext cx="4320480" cy="2540026"/>
+              <a:chOff x="2123728" y="2163633"/>
+              <a:chExt cx="4320480" cy="2540026"/>
+            </a:xfrm>
+          </p:grpSpPr>
+          <p:sp>
+            <p:nvSpPr>
+              <p:cNvPr id="4" name="Ellipse 3"/>
+              <p:cNvSpPr/>
+              <p:nvPr/>
+            </p:nvSpPr>
+            <p:spPr>
+              <a:xfrm>
+                <a:off x="4283967" y="2852936"/>
+                <a:ext cx="678877" cy="648072"/>
+              </a:xfrm>
+              <a:prstGeom prst="ellipse">
+                <a:avLst/>
+              </a:prstGeom>
+              <a:noFill/>
+              <a:ln w="19050">
+                <a:solidFill>
+                  <a:schemeClr val="tx1"/>
+                </a:solidFill>
+              </a:ln>
+            </p:spPr>
+            <p:style>
+              <a:lnRef idx="2">
+                <a:schemeClr val="accent1">
+                  <a:shade val="50000"/>
+                </a:schemeClr>
+              </a:lnRef>
+              <a:fillRef idx="1">
+                <a:schemeClr val="accent1"/>
+              </a:fillRef>
+              <a:effectRef idx="0">
+                <a:schemeClr val="accent1"/>
+              </a:effectRef>
+              <a:fontRef idx="minor">
+                <a:schemeClr val="lt1"/>
+              </a:fontRef>
+            </p:style>
+            <p:txBody>
+              <a:bodyPr rtlCol="0" anchor="ctr"/>
+              <a:lstStyle/>
+              <a:p>
+                <a:pPr algn="ctr"/>
+                <a:endParaRPr lang="de-DE"/>
+              </a:p>
+            </p:txBody>
+          </p:sp>
+          <p:sp>
+            <p:nvSpPr>
+              <p:cNvPr id="6" name="Textfeld 5"/>
+              <p:cNvSpPr txBox="1"/>
+              <p:nvPr/>
+            </p:nvSpPr>
+            <p:spPr>
+              <a:xfrm>
+                <a:off x="2555776" y="2163633"/>
+                <a:ext cx="504056" cy="307777"/>
+              </a:xfrm>
+              <a:prstGeom prst="rect">
+                <a:avLst/>
+              </a:prstGeom>
+              <a:noFill/>
+              <a:ln w="19050">
+                <a:solidFill>
+                  <a:schemeClr val="tx1"/>
+                </a:solidFill>
+              </a:ln>
+            </p:spPr>
+            <p:txBody>
+              <a:bodyPr wrap="square" rtlCol="0" anchor="ctr" anchorCtr="0">
+                <a:spAutoFit/>
+              </a:bodyPr>
+              <a:lstStyle/>
+              <a:p>
+                <a:r>
+                  <a:rPr lang="de-DE" sz="1400" dirty="0" smtClean="0"/>
+                  <a:t>W</a:t>
+                </a:r>
+                <a:r>
+                  <a:rPr lang="de-DE" sz="1400" baseline="-25000" dirty="0" smtClean="0"/>
+                  <a:t>0,k</a:t>
+                </a:r>
+                <a:endParaRPr lang="de-DE" sz="1400" baseline="-25000" dirty="0" smtClean="0"/>
+              </a:p>
+            </p:txBody>
+          </p:sp>
+          <p:sp>
+            <p:nvSpPr>
+              <p:cNvPr id="7" name="Textfeld 6"/>
+              <p:cNvSpPr txBox="1"/>
+              <p:nvPr/>
+            </p:nvSpPr>
+            <p:spPr>
+              <a:xfrm>
+                <a:off x="2555776" y="2739697"/>
+                <a:ext cx="504056" cy="307777"/>
+              </a:xfrm>
+              <a:prstGeom prst="rect">
+                <a:avLst/>
+              </a:prstGeom>
+              <a:noFill/>
+              <a:ln w="19050">
+                <a:solidFill>
+                  <a:schemeClr val="tx1"/>
+                </a:solidFill>
+              </a:ln>
+            </p:spPr>
+            <p:txBody>
+              <a:bodyPr wrap="square" rtlCol="0" anchor="ctr" anchorCtr="0">
+                <a:spAutoFit/>
+              </a:bodyPr>
+              <a:lstStyle/>
+              <a:p>
+                <a:r>
+                  <a:rPr lang="de-DE" sz="1400" dirty="0" smtClean="0"/>
+                  <a:t>W</a:t>
+                </a:r>
+                <a:r>
+                  <a:rPr lang="de-DE" sz="1400" baseline="-25000" dirty="0" smtClean="0"/>
+                  <a:t>1,k</a:t>
+                </a:r>
+                <a:endParaRPr lang="de-DE" sz="1400" baseline="-25000" dirty="0" smtClean="0"/>
+              </a:p>
+            </p:txBody>
+          </p:sp>
+          <p:sp>
+            <p:nvSpPr>
+              <p:cNvPr id="8" name="Textfeld 7"/>
+              <p:cNvSpPr txBox="1"/>
+              <p:nvPr/>
+            </p:nvSpPr>
+            <p:spPr>
+              <a:xfrm>
+                <a:off x="2555776" y="3603793"/>
+                <a:ext cx="504056" cy="307777"/>
+              </a:xfrm>
+              <a:prstGeom prst="rect">
+                <a:avLst/>
+              </a:prstGeom>
+              <a:noFill/>
+              <a:ln w="19050">
+                <a:solidFill>
+                  <a:schemeClr val="tx1"/>
+                </a:solidFill>
+              </a:ln>
+            </p:spPr>
+            <p:txBody>
+              <a:bodyPr wrap="square" rtlCol="0" anchor="ctr" anchorCtr="0">
+                <a:spAutoFit/>
+              </a:bodyPr>
+              <a:lstStyle/>
+              <a:p>
+                <a:r>
+                  <a:rPr lang="de-DE" sz="1400" dirty="0" err="1" smtClean="0"/>
+                  <a:t>W</a:t>
+                </a:r>
+                <a:r>
+                  <a:rPr lang="de-DE" sz="1400" baseline="-25000" dirty="0" err="1" smtClean="0"/>
+                  <a:t>j,k</a:t>
+                </a:r>
+                <a:endParaRPr lang="de-DE" sz="1400" baseline="-25000" dirty="0" smtClean="0"/>
+              </a:p>
+            </p:txBody>
+          </p:sp>
+          <p:sp>
+            <p:nvSpPr>
+              <p:cNvPr id="9" name="Textfeld 8"/>
+              <p:cNvSpPr txBox="1"/>
+              <p:nvPr/>
+            </p:nvSpPr>
+            <p:spPr>
+              <a:xfrm>
+                <a:off x="2555776" y="4395882"/>
+                <a:ext cx="360040" cy="307777"/>
+              </a:xfrm>
+              <a:prstGeom prst="rect">
+                <a:avLst/>
+              </a:prstGeom>
+              <a:noFill/>
+              <a:ln w="19050">
+                <a:solidFill>
+                  <a:schemeClr val="tx1"/>
+                </a:solidFill>
+              </a:ln>
+            </p:spPr>
+            <p:txBody>
+              <a:bodyPr wrap="square" rtlCol="0" anchor="ctr" anchorCtr="0">
+                <a:spAutoFit/>
+              </a:bodyPr>
+              <a:lstStyle/>
+              <a:p>
+                <a:r>
+                  <a:rPr lang="de-DE" sz="1400" dirty="0" smtClean="0"/>
+                  <a:t>b</a:t>
+                </a:r>
+                <a:r>
+                  <a:rPr lang="de-DE" sz="1400" baseline="-25000" dirty="0" smtClean="0"/>
+                  <a:t>k</a:t>
+                </a:r>
+                <a:endParaRPr lang="de-DE" sz="1400" baseline="-25000" dirty="0" smtClean="0"/>
+              </a:p>
+            </p:txBody>
+          </p:sp>
+          <p:sp>
+            <p:nvSpPr>
+              <p:cNvPr id="10" name="Textfeld 9"/>
+              <p:cNvSpPr txBox="1"/>
+              <p:nvPr/>
+            </p:nvSpPr>
+            <p:spPr>
+              <a:xfrm>
+                <a:off x="4455275" y="2877317"/>
+                <a:ext cx="325730" cy="523220"/>
+              </a:xfrm>
+              <a:prstGeom prst="rect">
+                <a:avLst/>
+              </a:prstGeom>
+              <a:noFill/>
+            </p:spPr>
+            <p:txBody>
+              <a:bodyPr wrap="none" rtlCol="0">
+                <a:spAutoFit/>
+              </a:bodyPr>
+              <a:lstStyle/>
+              <a:p>
+                <a:r>
+                  <a:rPr lang="de-DE" sz="2800" dirty="0" smtClean="0"/>
+                  <a:t>z</a:t>
+                </a:r>
+                <a:endParaRPr lang="de-DE" sz="2800" dirty="0"/>
+              </a:p>
+            </p:txBody>
+          </p:sp>
+          <p:sp>
+            <p:nvSpPr>
+              <p:cNvPr id="11" name="Textfeld 10"/>
+              <p:cNvSpPr txBox="1"/>
+              <p:nvPr/>
+            </p:nvSpPr>
+            <p:spPr>
+              <a:xfrm>
+                <a:off x="5508104" y="2916235"/>
+                <a:ext cx="504056" cy="523220"/>
+              </a:xfrm>
+              <a:prstGeom prst="rect">
+                <a:avLst/>
+              </a:prstGeom>
+              <a:noFill/>
+              <a:ln w="19050">
+                <a:solidFill>
+                  <a:schemeClr val="tx1"/>
+                </a:solidFill>
+              </a:ln>
+            </p:spPr>
+            <p:txBody>
+              <a:bodyPr wrap="square" rtlCol="0" anchor="ctr" anchorCtr="0">
+                <a:spAutoFit/>
+              </a:bodyPr>
+              <a:lstStyle/>
+              <a:p>
+                <a:r>
+                  <a:rPr lang="de-DE" sz="2800" dirty="0" smtClean="0"/>
+                  <a:t> f</a:t>
+                </a:r>
+              </a:p>
+            </p:txBody>
+          </p:sp>
+          <p:cxnSp>
+            <p:nvCxnSpPr>
+              <p:cNvPr id="20" name="Gerade Verbindung 19"/>
+              <p:cNvCxnSpPr>
+                <a:stCxn id="6" idx="3"/>
+                <a:endCxn id="4" idx="2"/>
+              </p:cNvCxnSpPr>
+              <p:nvPr/>
+            </p:nvCxnSpPr>
+            <p:spPr>
+              <a:xfrm>
+                <a:off x="3059832" y="2317522"/>
+                <a:ext cx="1224135" cy="859450"/>
+              </a:xfrm>
+              <a:prstGeom prst="line">
+                <a:avLst/>
+              </a:prstGeom>
+              <a:ln w="19050">
+                <a:solidFill>
+                  <a:schemeClr val="tx1"/>
+                </a:solidFill>
+              </a:ln>
+            </p:spPr>
+            <p:style>
+              <a:lnRef idx="1">
+                <a:schemeClr val="accent1"/>
+              </a:lnRef>
+              <a:fillRef idx="0">
+                <a:schemeClr val="accent1"/>
+              </a:fillRef>
+              <a:effectRef idx="0">
+                <a:schemeClr val="accent1"/>
+              </a:effectRef>
+              <a:fontRef idx="minor">
+                <a:schemeClr val="tx1"/>
+              </a:fontRef>
+            </p:style>
+          </p:cxnSp>
+          <p:cxnSp>
+            <p:nvCxnSpPr>
+              <p:cNvPr id="23" name="Gerade Verbindung 22"/>
+              <p:cNvCxnSpPr>
+                <a:stCxn id="7" idx="3"/>
+                <a:endCxn id="4" idx="2"/>
+              </p:cNvCxnSpPr>
+              <p:nvPr/>
+            </p:nvCxnSpPr>
+            <p:spPr>
+              <a:xfrm>
+                <a:off x="3059832" y="2893586"/>
+                <a:ext cx="1224135" cy="283386"/>
+              </a:xfrm>
+              <a:prstGeom prst="line">
+                <a:avLst/>
+              </a:prstGeom>
+              <a:ln w="19050">
+                <a:solidFill>
+                  <a:schemeClr val="tx1"/>
+                </a:solidFill>
+              </a:ln>
+            </p:spPr>
+            <p:style>
+              <a:lnRef idx="1">
+                <a:schemeClr val="accent1"/>
+              </a:lnRef>
+              <a:fillRef idx="0">
+                <a:schemeClr val="accent1"/>
+              </a:fillRef>
+              <a:effectRef idx="0">
+                <a:schemeClr val="accent1"/>
+              </a:effectRef>
+              <a:fontRef idx="minor">
+                <a:schemeClr val="tx1"/>
+              </a:fontRef>
+            </p:style>
+          </p:cxnSp>
+          <p:cxnSp>
+            <p:nvCxnSpPr>
+              <p:cNvPr id="25" name="Gerade Verbindung 24"/>
+              <p:cNvCxnSpPr>
+                <a:stCxn id="8" idx="3"/>
+                <a:endCxn id="4" idx="2"/>
+              </p:cNvCxnSpPr>
+              <p:nvPr/>
+            </p:nvCxnSpPr>
+            <p:spPr>
+              <a:xfrm flipV="1">
+                <a:off x="3059832" y="3176972"/>
+                <a:ext cx="1224135" cy="580710"/>
+              </a:xfrm>
+              <a:prstGeom prst="line">
+                <a:avLst/>
+              </a:prstGeom>
+              <a:ln w="19050">
+                <a:solidFill>
+                  <a:schemeClr val="tx1"/>
+                </a:solidFill>
+              </a:ln>
+            </p:spPr>
+            <p:style>
+              <a:lnRef idx="1">
+                <a:schemeClr val="accent1"/>
+              </a:lnRef>
+              <a:fillRef idx="0">
+                <a:schemeClr val="accent1"/>
+              </a:fillRef>
+              <a:effectRef idx="0">
+                <a:schemeClr val="accent1"/>
+              </a:effectRef>
+              <a:fontRef idx="minor">
+                <a:schemeClr val="tx1"/>
+              </a:fontRef>
+            </p:style>
+          </p:cxnSp>
+          <p:sp>
+            <p:nvSpPr>
+              <p:cNvPr id="27" name="Textfeld 26"/>
+              <p:cNvSpPr txBox="1"/>
+              <p:nvPr/>
+            </p:nvSpPr>
+            <p:spPr>
+              <a:xfrm>
+                <a:off x="2699792" y="2996952"/>
+                <a:ext cx="216024" cy="553998"/>
+              </a:xfrm>
+              <a:prstGeom prst="rect">
+                <a:avLst/>
+              </a:prstGeom>
+              <a:noFill/>
+            </p:spPr>
+            <p:txBody>
+              <a:bodyPr wrap="square" rtlCol="0">
+                <a:spAutoFit/>
+              </a:bodyPr>
+              <a:lstStyle/>
+              <a:p>
+                <a:r>
+                  <a:rPr lang="de-DE" sz="1000" b="1" dirty="0" smtClean="0"/>
+                  <a:t>.</a:t>
+                </a:r>
+              </a:p>
+              <a:p>
+                <a:r>
+                  <a:rPr lang="de-DE" sz="1000" b="1" dirty="0" smtClean="0"/>
+                  <a:t>.</a:t>
+                </a:r>
+              </a:p>
+              <a:p>
+                <a:r>
+                  <a:rPr lang="de-DE" sz="1000" b="1" dirty="0" smtClean="0"/>
+                  <a:t>.</a:t>
+                </a:r>
+                <a:endParaRPr lang="de-DE" sz="1000" b="1" dirty="0"/>
+              </a:p>
+            </p:txBody>
+          </p:sp>
+          <p:cxnSp>
+            <p:nvCxnSpPr>
+              <p:cNvPr id="28" name="Gerade Verbindung 27"/>
+              <p:cNvCxnSpPr>
+                <a:stCxn id="4" idx="6"/>
+                <a:endCxn id="11" idx="1"/>
+              </p:cNvCxnSpPr>
+              <p:nvPr/>
+            </p:nvCxnSpPr>
+            <p:spPr>
+              <a:xfrm>
+                <a:off x="4962844" y="3176972"/>
+                <a:ext cx="545260" cy="873"/>
+              </a:xfrm>
+              <a:prstGeom prst="line">
+                <a:avLst/>
+              </a:prstGeom>
+              <a:ln w="19050">
+                <a:solidFill>
+                  <a:schemeClr val="tx1"/>
+                </a:solidFill>
+              </a:ln>
+            </p:spPr>
+            <p:style>
+              <a:lnRef idx="1">
+                <a:schemeClr val="accent1"/>
+              </a:lnRef>
+              <a:fillRef idx="0">
+                <a:schemeClr val="accent1"/>
+              </a:fillRef>
+              <a:effectRef idx="0">
+                <a:schemeClr val="accent1"/>
+              </a:effectRef>
+              <a:fontRef idx="minor">
+                <a:schemeClr val="tx1"/>
+              </a:fontRef>
+            </p:style>
+          </p:cxnSp>
+          <p:cxnSp>
+            <p:nvCxnSpPr>
+              <p:cNvPr id="31" name="Gerade Verbindung 30"/>
+              <p:cNvCxnSpPr>
+                <a:endCxn id="4" idx="2"/>
+              </p:cNvCxnSpPr>
+              <p:nvPr/>
+            </p:nvCxnSpPr>
+            <p:spPr>
+              <a:xfrm flipV="1">
+                <a:off x="2915816" y="3176972"/>
+                <a:ext cx="1368151" cy="1368152"/>
+              </a:xfrm>
+              <a:prstGeom prst="line">
+                <a:avLst/>
+              </a:prstGeom>
+              <a:ln w="19050">
+                <a:solidFill>
+                  <a:schemeClr val="tx1"/>
+                </a:solidFill>
+              </a:ln>
+            </p:spPr>
+            <p:style>
+              <a:lnRef idx="1">
+                <a:schemeClr val="accent1"/>
+              </a:lnRef>
+              <a:fillRef idx="0">
+                <a:schemeClr val="accent1"/>
+              </a:fillRef>
+              <a:effectRef idx="0">
+                <a:schemeClr val="accent1"/>
+              </a:effectRef>
+              <a:fontRef idx="minor">
+                <a:schemeClr val="tx1"/>
+              </a:fontRef>
+            </p:style>
+          </p:cxnSp>
+          <p:cxnSp>
+            <p:nvCxnSpPr>
+              <p:cNvPr id="44" name="Gerade Verbindung 43"/>
+              <p:cNvCxnSpPr/>
+              <p:nvPr/>
+            </p:nvCxnSpPr>
+            <p:spPr>
+              <a:xfrm>
+                <a:off x="2123728" y="2322753"/>
+                <a:ext cx="432048" cy="0"/>
+              </a:xfrm>
+              <a:prstGeom prst="line">
+                <a:avLst/>
+              </a:prstGeom>
+              <a:ln w="19050">
+                <a:solidFill>
+                  <a:schemeClr val="tx1"/>
+                </a:solidFill>
+                <a:headEnd type="oval"/>
+              </a:ln>
+            </p:spPr>
+            <p:style>
+              <a:lnRef idx="1">
+                <a:schemeClr val="accent1"/>
+              </a:lnRef>
+              <a:fillRef idx="0">
+                <a:schemeClr val="accent1"/>
+              </a:fillRef>
+              <a:effectRef idx="0">
+                <a:schemeClr val="accent1"/>
+              </a:effectRef>
+              <a:fontRef idx="minor">
+                <a:schemeClr val="tx1"/>
+              </a:fontRef>
+            </p:style>
+          </p:cxnSp>
+          <p:cxnSp>
+            <p:nvCxnSpPr>
+              <p:cNvPr id="46" name="Gerade Verbindung 45"/>
+              <p:cNvCxnSpPr/>
+              <p:nvPr/>
+            </p:nvCxnSpPr>
+            <p:spPr>
+              <a:xfrm>
+                <a:off x="2123728" y="2890108"/>
+                <a:ext cx="432048" cy="0"/>
+              </a:xfrm>
+              <a:prstGeom prst="line">
+                <a:avLst/>
+              </a:prstGeom>
+              <a:ln w="19050">
+                <a:solidFill>
+                  <a:schemeClr val="tx1"/>
+                </a:solidFill>
+                <a:headEnd type="oval"/>
+              </a:ln>
+            </p:spPr>
+            <p:style>
+              <a:lnRef idx="1">
+                <a:schemeClr val="accent1"/>
+              </a:lnRef>
+              <a:fillRef idx="0">
+                <a:schemeClr val="accent1"/>
+              </a:fillRef>
+              <a:effectRef idx="0">
+                <a:schemeClr val="accent1"/>
+              </a:effectRef>
+              <a:fontRef idx="minor">
+                <a:schemeClr val="tx1"/>
+              </a:fontRef>
+            </p:style>
+          </p:cxnSp>
+          <p:cxnSp>
+            <p:nvCxnSpPr>
+              <p:cNvPr id="47" name="Gerade Verbindung 46"/>
+              <p:cNvCxnSpPr/>
+              <p:nvPr/>
+            </p:nvCxnSpPr>
+            <p:spPr>
+              <a:xfrm>
+                <a:off x="2123728" y="3762913"/>
+                <a:ext cx="432048" cy="0"/>
+              </a:xfrm>
+              <a:prstGeom prst="line">
+                <a:avLst/>
+              </a:prstGeom>
+              <a:ln w="19050">
+                <a:solidFill>
+                  <a:schemeClr val="tx1"/>
+                </a:solidFill>
+                <a:headEnd type="oval"/>
+              </a:ln>
+            </p:spPr>
+            <p:style>
+              <a:lnRef idx="1">
+                <a:schemeClr val="accent1"/>
+              </a:lnRef>
+              <a:fillRef idx="0">
+                <a:schemeClr val="accent1"/>
+              </a:fillRef>
+              <a:effectRef idx="0">
+                <a:schemeClr val="accent1"/>
+              </a:effectRef>
+              <a:fontRef idx="minor">
+                <a:schemeClr val="tx1"/>
+              </a:fontRef>
+            </p:style>
+          </p:cxnSp>
+          <p:cxnSp>
+            <p:nvCxnSpPr>
+              <p:cNvPr id="49" name="Gerade Verbindung 48"/>
+              <p:cNvCxnSpPr/>
+              <p:nvPr/>
+            </p:nvCxnSpPr>
+            <p:spPr>
+              <a:xfrm>
+                <a:off x="6012160" y="3184513"/>
+                <a:ext cx="432048" cy="0"/>
+              </a:xfrm>
+              <a:prstGeom prst="line">
+                <a:avLst/>
+              </a:prstGeom>
+              <a:ln w="19050">
+                <a:solidFill>
+                  <a:schemeClr val="tx1"/>
+                </a:solidFill>
+                <a:tailEnd type="oval"/>
+              </a:ln>
+            </p:spPr>
+            <p:style>
+              <a:lnRef idx="1">
+                <a:schemeClr val="accent1"/>
+              </a:lnRef>
+              <a:fillRef idx="0">
+                <a:schemeClr val="accent1"/>
+              </a:fillRef>
+              <a:effectRef idx="0">
+                <a:schemeClr val="accent1"/>
+              </a:effectRef>
+              <a:fontRef idx="minor">
+                <a:schemeClr val="tx1"/>
+              </a:fontRef>
+            </p:style>
+          </p:cxnSp>
+          <p:sp>
+            <p:nvSpPr>
+              <p:cNvPr id="84" name="Textfeld 83"/>
+              <p:cNvSpPr txBox="1"/>
+              <p:nvPr/>
+            </p:nvSpPr>
+            <p:spPr>
+              <a:xfrm>
+                <a:off x="6035813" y="2780928"/>
+                <a:ext cx="377026" cy="369332"/>
+              </a:xfrm>
+              <a:prstGeom prst="rect">
+                <a:avLst/>
+              </a:prstGeom>
+              <a:noFill/>
+            </p:spPr>
+            <p:txBody>
+              <a:bodyPr wrap="none" rtlCol="0">
+                <a:spAutoFit/>
+              </a:bodyPr>
+              <a:lstStyle/>
+              <a:p>
+                <a:r>
+                  <a:rPr lang="de-DE" dirty="0" smtClean="0"/>
+                  <a:t>p</a:t>
+                </a:r>
+                <a:r>
+                  <a:rPr lang="de-DE" baseline="-25000" dirty="0" smtClean="0"/>
+                  <a:t>k</a:t>
+                </a:r>
+                <a:endParaRPr lang="de-DE" baseline="-25000" dirty="0"/>
+              </a:p>
+            </p:txBody>
+          </p:sp>
+          <p:sp>
+            <p:nvSpPr>
+              <p:cNvPr id="85" name="Textfeld 84"/>
+              <p:cNvSpPr txBox="1"/>
+              <p:nvPr/>
+            </p:nvSpPr>
+            <p:spPr>
+              <a:xfrm>
+                <a:off x="5076056" y="2852936"/>
+                <a:ext cx="184731" cy="553998"/>
+              </a:xfrm>
+              <a:prstGeom prst="rect">
+                <a:avLst/>
+              </a:prstGeom>
+              <a:noFill/>
+            </p:spPr>
+            <p:txBody>
+              <a:bodyPr wrap="none" rtlCol="0">
+                <a:spAutoFit/>
+              </a:bodyPr>
+              <a:lstStyle/>
+              <a:p>
+                <a:endParaRPr lang="de-DE" dirty="0" smtClean="0"/>
+              </a:p>
+              <a:p>
+                <a:endParaRPr lang="de-DE" baseline="-25000" dirty="0"/>
+              </a:p>
+            </p:txBody>
+          </p:sp>
+        </p:grpSp>
+        <p:grpSp>
+          <p:nvGrpSpPr>
+            <p:cNvPr id="29" name="Gruppieren 28"/>
+            <p:cNvGrpSpPr/>
+            <p:nvPr/>
+          </p:nvGrpSpPr>
+          <p:grpSpPr>
+            <a:xfrm>
+              <a:off x="795222" y="1663077"/>
+              <a:ext cx="3744416" cy="2227602"/>
+              <a:chOff x="2699792" y="2317522"/>
+              <a:chExt cx="3744416" cy="2227602"/>
+            </a:xfrm>
+          </p:grpSpPr>
+          <p:sp>
+            <p:nvSpPr>
+              <p:cNvPr id="30" name="Ellipse 29"/>
+              <p:cNvSpPr/>
+              <p:nvPr/>
+            </p:nvSpPr>
+            <p:spPr>
+              <a:xfrm>
+                <a:off x="4283967" y="2852936"/>
+                <a:ext cx="678877" cy="648072"/>
+              </a:xfrm>
+              <a:prstGeom prst="ellipse">
+                <a:avLst/>
+              </a:prstGeom>
+              <a:noFill/>
+              <a:ln w="19050">
+                <a:solidFill>
+                  <a:schemeClr val="tx1"/>
+                </a:solidFill>
+              </a:ln>
+            </p:spPr>
+            <p:style>
+              <a:lnRef idx="2">
+                <a:schemeClr val="accent1">
+                  <a:shade val="50000"/>
+                </a:schemeClr>
+              </a:lnRef>
+              <a:fillRef idx="1">
+                <a:schemeClr val="accent1"/>
+              </a:fillRef>
+              <a:effectRef idx="0">
+                <a:schemeClr val="accent1"/>
+              </a:effectRef>
+              <a:fontRef idx="minor">
+                <a:schemeClr val="lt1"/>
+              </a:fontRef>
+            </p:style>
+            <p:txBody>
+              <a:bodyPr rtlCol="0" anchor="ctr"/>
+              <a:lstStyle/>
+              <a:p>
+                <a:pPr algn="ctr"/>
+                <a:endParaRPr lang="de-DE"/>
+              </a:p>
+            </p:txBody>
+          </p:sp>
+          <p:sp>
+            <p:nvSpPr>
+              <p:cNvPr id="36" name="Textfeld 35"/>
+              <p:cNvSpPr txBox="1"/>
+              <p:nvPr/>
+            </p:nvSpPr>
+            <p:spPr>
+              <a:xfrm>
+                <a:off x="4455275" y="2877317"/>
+                <a:ext cx="325730" cy="523220"/>
+              </a:xfrm>
+              <a:prstGeom prst="rect">
+                <a:avLst/>
+              </a:prstGeom>
+              <a:noFill/>
+            </p:spPr>
+            <p:txBody>
+              <a:bodyPr wrap="none" rtlCol="0">
+                <a:spAutoFit/>
+              </a:bodyPr>
+              <a:lstStyle/>
+              <a:p>
+                <a:r>
+                  <a:rPr lang="de-DE" sz="2800" dirty="0" smtClean="0"/>
+                  <a:t>z</a:t>
+                </a:r>
+                <a:endParaRPr lang="de-DE" sz="2800" dirty="0"/>
+              </a:p>
+            </p:txBody>
+          </p:sp>
+          <p:sp>
+            <p:nvSpPr>
+              <p:cNvPr id="37" name="Textfeld 36"/>
+              <p:cNvSpPr txBox="1"/>
+              <p:nvPr/>
+            </p:nvSpPr>
+            <p:spPr>
+              <a:xfrm>
+                <a:off x="5508104" y="2916235"/>
+                <a:ext cx="504056" cy="523220"/>
+              </a:xfrm>
+              <a:prstGeom prst="rect">
+                <a:avLst/>
+              </a:prstGeom>
+              <a:noFill/>
+              <a:ln w="19050">
+                <a:solidFill>
+                  <a:schemeClr val="tx1"/>
+                </a:solidFill>
+              </a:ln>
+            </p:spPr>
+            <p:txBody>
+              <a:bodyPr wrap="square" rtlCol="0" anchor="ctr" anchorCtr="0">
+                <a:spAutoFit/>
+              </a:bodyPr>
+              <a:lstStyle/>
+              <a:p>
+                <a:r>
+                  <a:rPr lang="de-DE" sz="2800" dirty="0" smtClean="0"/>
+                  <a:t> f</a:t>
+                </a:r>
+              </a:p>
+            </p:txBody>
+          </p:sp>
+          <p:cxnSp>
+            <p:nvCxnSpPr>
+              <p:cNvPr id="38" name="Gerade Verbindung 37"/>
+              <p:cNvCxnSpPr>
+                <a:endCxn id="30" idx="2"/>
+              </p:cNvCxnSpPr>
+              <p:nvPr/>
+            </p:nvCxnSpPr>
+            <p:spPr>
+              <a:xfrm>
+                <a:off x="3059832" y="2317522"/>
+                <a:ext cx="1224135" cy="859450"/>
+              </a:xfrm>
+              <a:prstGeom prst="line">
+                <a:avLst/>
+              </a:prstGeom>
+              <a:ln w="19050">
+                <a:solidFill>
+                  <a:schemeClr val="tx1"/>
+                </a:solidFill>
+              </a:ln>
+            </p:spPr>
+            <p:style>
+              <a:lnRef idx="1">
+                <a:schemeClr val="accent1"/>
+              </a:lnRef>
+              <a:fillRef idx="0">
+                <a:schemeClr val="accent1"/>
+              </a:fillRef>
+              <a:effectRef idx="0">
+                <a:schemeClr val="accent1"/>
+              </a:effectRef>
+              <a:fontRef idx="minor">
+                <a:schemeClr val="tx1"/>
+              </a:fontRef>
+            </p:style>
+          </p:cxnSp>
+          <p:cxnSp>
+            <p:nvCxnSpPr>
+              <p:cNvPr id="39" name="Gerade Verbindung 38"/>
+              <p:cNvCxnSpPr>
+                <a:endCxn id="30" idx="2"/>
+              </p:cNvCxnSpPr>
+              <p:nvPr/>
+            </p:nvCxnSpPr>
+            <p:spPr>
+              <a:xfrm>
+                <a:off x="3059832" y="2893586"/>
+                <a:ext cx="1224135" cy="283386"/>
+              </a:xfrm>
+              <a:prstGeom prst="line">
+                <a:avLst/>
+              </a:prstGeom>
+              <a:ln w="19050">
+                <a:solidFill>
+                  <a:schemeClr val="tx1"/>
+                </a:solidFill>
+              </a:ln>
+            </p:spPr>
+            <p:style>
+              <a:lnRef idx="1">
+                <a:schemeClr val="accent1"/>
+              </a:lnRef>
+              <a:fillRef idx="0">
+                <a:schemeClr val="accent1"/>
+              </a:fillRef>
+              <a:effectRef idx="0">
+                <a:schemeClr val="accent1"/>
+              </a:effectRef>
+              <a:fontRef idx="minor">
+                <a:schemeClr val="tx1"/>
+              </a:fontRef>
+            </p:style>
+          </p:cxnSp>
+          <p:cxnSp>
+            <p:nvCxnSpPr>
+              <p:cNvPr id="40" name="Gerade Verbindung 39"/>
+              <p:cNvCxnSpPr>
+                <a:endCxn id="30" idx="2"/>
+              </p:cNvCxnSpPr>
+              <p:nvPr/>
+            </p:nvCxnSpPr>
+            <p:spPr>
+              <a:xfrm flipV="1">
+                <a:off x="3059832" y="3176972"/>
+                <a:ext cx="1224135" cy="580710"/>
+              </a:xfrm>
+              <a:prstGeom prst="line">
+                <a:avLst/>
+              </a:prstGeom>
+              <a:ln w="19050">
+                <a:solidFill>
+                  <a:schemeClr val="tx1"/>
+                </a:solidFill>
+              </a:ln>
+            </p:spPr>
+            <p:style>
+              <a:lnRef idx="1">
+                <a:schemeClr val="accent1"/>
+              </a:lnRef>
+              <a:fillRef idx="0">
+                <a:schemeClr val="accent1"/>
+              </a:fillRef>
+              <a:effectRef idx="0">
+                <a:schemeClr val="accent1"/>
+              </a:effectRef>
+              <a:fontRef idx="minor">
+                <a:schemeClr val="tx1"/>
+              </a:fontRef>
+            </p:style>
+          </p:cxnSp>
+          <p:sp>
+            <p:nvSpPr>
+              <p:cNvPr id="41" name="Textfeld 40"/>
+              <p:cNvSpPr txBox="1"/>
+              <p:nvPr/>
+            </p:nvSpPr>
+            <p:spPr>
+              <a:xfrm>
+                <a:off x="2699792" y="2996952"/>
+                <a:ext cx="216024" cy="553998"/>
+              </a:xfrm>
+              <a:prstGeom prst="rect">
+                <a:avLst/>
+              </a:prstGeom>
+              <a:noFill/>
+            </p:spPr>
+            <p:txBody>
+              <a:bodyPr wrap="square" rtlCol="0">
+                <a:spAutoFit/>
+              </a:bodyPr>
+              <a:lstStyle/>
+              <a:p>
+                <a:r>
+                  <a:rPr lang="de-DE" sz="1000" b="1" dirty="0" smtClean="0"/>
+                  <a:t>.</a:t>
+                </a:r>
+              </a:p>
+              <a:p>
+                <a:r>
+                  <a:rPr lang="de-DE" sz="1000" b="1" dirty="0" smtClean="0"/>
+                  <a:t>.</a:t>
+                </a:r>
+              </a:p>
+              <a:p>
+                <a:r>
+                  <a:rPr lang="de-DE" sz="1000" b="1" dirty="0" smtClean="0"/>
+                  <a:t>.</a:t>
+                </a:r>
+                <a:endParaRPr lang="de-DE" sz="1000" b="1" dirty="0"/>
+              </a:p>
+            </p:txBody>
+          </p:sp>
+          <p:cxnSp>
+            <p:nvCxnSpPr>
+              <p:cNvPr id="42" name="Gerade Verbindung 41"/>
+              <p:cNvCxnSpPr>
+                <a:stCxn id="30" idx="6"/>
+                <a:endCxn id="37" idx="1"/>
+              </p:cNvCxnSpPr>
+              <p:nvPr/>
+            </p:nvCxnSpPr>
+            <p:spPr>
+              <a:xfrm>
+                <a:off x="4962844" y="3176972"/>
+                <a:ext cx="545260" cy="873"/>
+              </a:xfrm>
+              <a:prstGeom prst="line">
+                <a:avLst/>
+              </a:prstGeom>
+              <a:ln w="19050">
+                <a:solidFill>
+                  <a:schemeClr val="tx1"/>
+                </a:solidFill>
+              </a:ln>
+            </p:spPr>
+            <p:style>
+              <a:lnRef idx="1">
+                <a:schemeClr val="accent1"/>
+              </a:lnRef>
+              <a:fillRef idx="0">
+                <a:schemeClr val="accent1"/>
+              </a:fillRef>
+              <a:effectRef idx="0">
+                <a:schemeClr val="accent1"/>
+              </a:effectRef>
+              <a:fontRef idx="minor">
+                <a:schemeClr val="tx1"/>
+              </a:fontRef>
+            </p:style>
+          </p:cxnSp>
+          <p:cxnSp>
+            <p:nvCxnSpPr>
+              <p:cNvPr id="43" name="Gerade Verbindung 42"/>
+              <p:cNvCxnSpPr>
+                <a:endCxn id="30" idx="2"/>
+              </p:cNvCxnSpPr>
+              <p:nvPr/>
+            </p:nvCxnSpPr>
+            <p:spPr>
+              <a:xfrm flipV="1">
+                <a:off x="2915816" y="3176972"/>
+                <a:ext cx="1368151" cy="1368152"/>
+              </a:xfrm>
+              <a:prstGeom prst="line">
+                <a:avLst/>
+              </a:prstGeom>
+              <a:ln w="19050">
+                <a:solidFill>
+                  <a:schemeClr val="tx1"/>
+                </a:solidFill>
+              </a:ln>
+            </p:spPr>
+            <p:style>
+              <a:lnRef idx="1">
+                <a:schemeClr val="accent1"/>
+              </a:lnRef>
+              <a:fillRef idx="0">
+                <a:schemeClr val="accent1"/>
+              </a:fillRef>
+              <a:effectRef idx="0">
+                <a:schemeClr val="accent1"/>
+              </a:effectRef>
+              <a:fontRef idx="minor">
+                <a:schemeClr val="tx1"/>
+              </a:fontRef>
+            </p:style>
+          </p:cxnSp>
+          <p:cxnSp>
+            <p:nvCxnSpPr>
+              <p:cNvPr id="53" name="Gerade Verbindung 52"/>
+              <p:cNvCxnSpPr/>
+              <p:nvPr/>
+            </p:nvCxnSpPr>
+            <p:spPr>
+              <a:xfrm>
+                <a:off x="6012160" y="3184513"/>
+                <a:ext cx="432048" cy="0"/>
+              </a:xfrm>
+              <a:prstGeom prst="line">
+                <a:avLst/>
+              </a:prstGeom>
+              <a:ln w="19050">
+                <a:solidFill>
+                  <a:schemeClr val="tx1"/>
+                </a:solidFill>
+                <a:tailEnd type="oval"/>
+              </a:ln>
+            </p:spPr>
+            <p:style>
+              <a:lnRef idx="1">
+                <a:schemeClr val="accent1"/>
+              </a:lnRef>
+              <a:fillRef idx="0">
+                <a:schemeClr val="accent1"/>
+              </a:fillRef>
+              <a:effectRef idx="0">
+                <a:schemeClr val="accent1"/>
+              </a:effectRef>
+              <a:fontRef idx="minor">
+                <a:schemeClr val="tx1"/>
+              </a:fontRef>
+            </p:style>
+          </p:cxnSp>
+          <p:sp>
+            <p:nvSpPr>
+              <p:cNvPr id="55" name="Textfeld 54"/>
+              <p:cNvSpPr txBox="1"/>
+              <p:nvPr/>
+            </p:nvSpPr>
+            <p:spPr>
+              <a:xfrm>
+                <a:off x="6029578" y="2824473"/>
+                <a:ext cx="385042" cy="369332"/>
+              </a:xfrm>
+              <a:prstGeom prst="rect">
+                <a:avLst/>
+              </a:prstGeom>
+              <a:noFill/>
+            </p:spPr>
+            <p:txBody>
+              <a:bodyPr wrap="none" rtlCol="0">
+                <a:spAutoFit/>
+              </a:bodyPr>
+              <a:lstStyle/>
+              <a:p>
+                <a:r>
+                  <a:rPr lang="de-DE" dirty="0" smtClean="0"/>
+                  <a:t>p</a:t>
+                </a:r>
+                <a:r>
+                  <a:rPr lang="de-DE" baseline="-25000" dirty="0" smtClean="0"/>
+                  <a:t>1</a:t>
+                </a:r>
+                <a:endParaRPr lang="de-DE" baseline="-25000" dirty="0"/>
+              </a:p>
+            </p:txBody>
+          </p:sp>
+        </p:grpSp>
+        <p:grpSp>
+          <p:nvGrpSpPr>
+            <p:cNvPr id="62" name="Gruppieren 61"/>
+            <p:cNvGrpSpPr/>
+            <p:nvPr/>
+          </p:nvGrpSpPr>
+          <p:grpSpPr>
+            <a:xfrm>
+              <a:off x="7500675" y="3068960"/>
+              <a:ext cx="399214" cy="349007"/>
+              <a:chOff x="8028384" y="3068960"/>
+              <a:chExt cx="399214" cy="349007"/>
+            </a:xfrm>
+          </p:grpSpPr>
+          <p:sp>
+            <p:nvSpPr>
+              <p:cNvPr id="60" name="Gleichschenkliges Dreieck 59"/>
+              <p:cNvSpPr/>
+              <p:nvPr/>
+            </p:nvSpPr>
+            <p:spPr>
+              <a:xfrm rot="10800000">
+                <a:off x="8028384" y="3068960"/>
+                <a:ext cx="216024" cy="216024"/>
+              </a:xfrm>
+              <a:prstGeom prst="triangle">
+                <a:avLst/>
+              </a:prstGeom>
+              <a:noFill/>
+              <a:ln w="19050">
+                <a:solidFill>
+                  <a:schemeClr val="tx1"/>
+                </a:solidFill>
+              </a:ln>
+            </p:spPr>
+            <p:style>
+              <a:lnRef idx="2">
+                <a:schemeClr val="accent1">
+                  <a:shade val="50000"/>
+                </a:schemeClr>
+              </a:lnRef>
+              <a:fillRef idx="1">
+                <a:schemeClr val="accent1"/>
+              </a:fillRef>
+              <a:effectRef idx="0">
+                <a:schemeClr val="accent1"/>
+              </a:effectRef>
+              <a:fontRef idx="minor">
+                <a:schemeClr val="lt1"/>
+              </a:fontRef>
+            </p:style>
+            <p:txBody>
+              <a:bodyPr rtlCol="0" anchor="ctr"/>
+              <a:lstStyle/>
+              <a:p>
+                <a:pPr algn="ctr"/>
+                <a:endParaRPr lang="de-DE"/>
+              </a:p>
+            </p:txBody>
+          </p:sp>
+          <p:sp>
+            <p:nvSpPr>
+              <p:cNvPr id="61" name="Textfeld 60"/>
+              <p:cNvSpPr txBox="1"/>
+              <p:nvPr/>
+            </p:nvSpPr>
+            <p:spPr>
+              <a:xfrm>
+                <a:off x="8172400" y="3140968"/>
+                <a:ext cx="255198" cy="276999"/>
+              </a:xfrm>
+              <a:prstGeom prst="rect">
+                <a:avLst/>
+              </a:prstGeom>
+              <a:noFill/>
+            </p:spPr>
+            <p:txBody>
+              <a:bodyPr wrap="none" rtlCol="0">
+                <a:spAutoFit/>
+              </a:bodyPr>
+              <a:lstStyle/>
+              <a:p>
+                <a:r>
+                  <a:rPr lang="de-DE" sz="1200" dirty="0" smtClean="0"/>
+                  <a:t>k</a:t>
+                </a:r>
+                <a:endParaRPr lang="de-DE" sz="1200" dirty="0"/>
+              </a:p>
+            </p:txBody>
+          </p:sp>
+        </p:grpSp>
+        <p:grpSp>
+          <p:nvGrpSpPr>
+            <p:cNvPr id="63" name="Gruppieren 62"/>
+            <p:cNvGrpSpPr/>
+            <p:nvPr/>
+          </p:nvGrpSpPr>
+          <p:grpSpPr>
+            <a:xfrm>
+              <a:off x="3108187" y="2780928"/>
+              <a:ext cx="407230" cy="349007"/>
+              <a:chOff x="8028384" y="3068960"/>
+              <a:chExt cx="407230" cy="349007"/>
+            </a:xfrm>
+          </p:grpSpPr>
+          <p:sp>
+            <p:nvSpPr>
+              <p:cNvPr id="64" name="Gleichschenkliges Dreieck 63"/>
+              <p:cNvSpPr/>
+              <p:nvPr/>
+            </p:nvSpPr>
+            <p:spPr>
+              <a:xfrm rot="10800000">
+                <a:off x="8028384" y="3068960"/>
+                <a:ext cx="216024" cy="216024"/>
+              </a:xfrm>
+              <a:prstGeom prst="triangle">
+                <a:avLst/>
+              </a:prstGeom>
+              <a:noFill/>
+              <a:ln w="19050">
+                <a:solidFill>
+                  <a:schemeClr val="tx1"/>
+                </a:solidFill>
+              </a:ln>
+            </p:spPr>
+            <p:style>
+              <a:lnRef idx="2">
+                <a:schemeClr val="accent1">
+                  <a:shade val="50000"/>
+                </a:schemeClr>
+              </a:lnRef>
+              <a:fillRef idx="1">
+                <a:schemeClr val="accent1"/>
+              </a:fillRef>
+              <a:effectRef idx="0">
+                <a:schemeClr val="accent1"/>
+              </a:effectRef>
+              <a:fontRef idx="minor">
+                <a:schemeClr val="lt1"/>
+              </a:fontRef>
+            </p:style>
+            <p:txBody>
+              <a:bodyPr rtlCol="0" anchor="ctr"/>
+              <a:lstStyle/>
+              <a:p>
+                <a:pPr algn="ctr"/>
+                <a:endParaRPr lang="de-DE"/>
+              </a:p>
+            </p:txBody>
+          </p:sp>
+          <p:sp>
+            <p:nvSpPr>
+              <p:cNvPr id="65" name="Textfeld 64"/>
+              <p:cNvSpPr txBox="1"/>
+              <p:nvPr/>
+            </p:nvSpPr>
+            <p:spPr>
+              <a:xfrm>
+                <a:off x="8172400" y="3140968"/>
+                <a:ext cx="263214" cy="276999"/>
+              </a:xfrm>
+              <a:prstGeom prst="rect">
+                <a:avLst/>
+              </a:prstGeom>
+              <a:noFill/>
+            </p:spPr>
+            <p:txBody>
+              <a:bodyPr wrap="none" rtlCol="0">
+                <a:spAutoFit/>
+              </a:bodyPr>
+              <a:lstStyle/>
+              <a:p>
+                <a:r>
+                  <a:rPr lang="de-DE" sz="1200" dirty="0" smtClean="0"/>
+                  <a:t>1</a:t>
+                </a:r>
+                <a:endParaRPr lang="de-DE" sz="1200" dirty="0"/>
+              </a:p>
+            </p:txBody>
+          </p:sp>
+        </p:grpSp>
+        <p:sp>
+          <p:nvSpPr>
+            <p:cNvPr id="66" name="Textfeld 65"/>
+            <p:cNvSpPr txBox="1"/>
+            <p:nvPr/>
+          </p:nvSpPr>
+          <p:spPr>
+            <a:xfrm>
+              <a:off x="6948264" y="1052736"/>
+              <a:ext cx="255198" cy="400110"/>
+            </a:xfrm>
+            <a:prstGeom prst="rect">
+              <a:avLst/>
+            </a:prstGeom>
+            <a:noFill/>
+          </p:spPr>
+          <p:txBody>
+            <a:bodyPr wrap="none" rtlCol="0">
+              <a:spAutoFit/>
+            </a:bodyPr>
+            <a:lstStyle/>
+            <a:p>
+              <a:r>
+                <a:rPr lang="de-DE" sz="2000" dirty="0" smtClean="0">
+                  <a:latin typeface="Mistral" pitchFamily="66" charset="0"/>
+                </a:rPr>
+                <a:t>l</a:t>
+              </a:r>
+              <a:endParaRPr lang="de-DE" sz="2000" dirty="0">
+                <a:latin typeface="Mistral" pitchFamily="66" charset="0"/>
+              </a:endParaRPr>
+            </a:p>
+          </p:txBody>
+        </p:sp>
+        <p:sp>
+          <p:nvSpPr>
+            <p:cNvPr id="67" name="Textfeld 66"/>
+            <p:cNvSpPr txBox="1"/>
+            <p:nvPr/>
+          </p:nvSpPr>
+          <p:spPr>
+            <a:xfrm>
+              <a:off x="2555776" y="1052736"/>
+              <a:ext cx="463588" cy="400110"/>
+            </a:xfrm>
+            <a:prstGeom prst="rect">
+              <a:avLst/>
+            </a:prstGeom>
+            <a:noFill/>
+          </p:spPr>
+          <p:txBody>
+            <a:bodyPr wrap="none" rtlCol="0">
+              <a:spAutoFit/>
+            </a:bodyPr>
+            <a:lstStyle/>
+            <a:p>
+              <a:r>
+                <a:rPr lang="de-DE" sz="2000" dirty="0" smtClean="0">
+                  <a:latin typeface="Mistral" pitchFamily="66" charset="0"/>
+                </a:rPr>
+                <a:t>l</a:t>
+              </a:r>
+              <a:r>
+                <a:rPr lang="de-DE" sz="2000" dirty="0" smtClean="0"/>
+                <a:t>-1</a:t>
+              </a:r>
+              <a:endParaRPr lang="de-DE" sz="2000" dirty="0"/>
+            </a:p>
+          </p:txBody>
+        </p:sp>
+        <p:grpSp>
+          <p:nvGrpSpPr>
+            <p:cNvPr id="68" name="Gruppieren 67"/>
+            <p:cNvGrpSpPr/>
+            <p:nvPr/>
+          </p:nvGrpSpPr>
+          <p:grpSpPr>
+            <a:xfrm>
+              <a:off x="2383296" y="3048064"/>
+              <a:ext cx="2160241" cy="676535"/>
+              <a:chOff x="4283967" y="2824473"/>
+              <a:chExt cx="2160241" cy="676535"/>
+            </a:xfrm>
+          </p:grpSpPr>
+          <p:sp>
+            <p:nvSpPr>
+              <p:cNvPr id="69" name="Ellipse 68"/>
+              <p:cNvSpPr/>
+              <p:nvPr/>
+            </p:nvSpPr>
+            <p:spPr>
+              <a:xfrm>
+                <a:off x="4283967" y="2852936"/>
+                <a:ext cx="678877" cy="648072"/>
+              </a:xfrm>
+              <a:prstGeom prst="ellipse">
+                <a:avLst/>
+              </a:prstGeom>
+              <a:noFill/>
+              <a:ln w="19050">
+                <a:solidFill>
+                  <a:schemeClr val="tx1"/>
+                </a:solidFill>
+              </a:ln>
+            </p:spPr>
+            <p:style>
+              <a:lnRef idx="2">
+                <a:schemeClr val="accent1">
+                  <a:shade val="50000"/>
+                </a:schemeClr>
+              </a:lnRef>
+              <a:fillRef idx="1">
+                <a:schemeClr val="accent1"/>
+              </a:fillRef>
+              <a:effectRef idx="0">
+                <a:schemeClr val="accent1"/>
+              </a:effectRef>
+              <a:fontRef idx="minor">
+                <a:schemeClr val="lt1"/>
+              </a:fontRef>
+            </p:style>
+            <p:txBody>
+              <a:bodyPr rtlCol="0" anchor="ctr"/>
+              <a:lstStyle/>
+              <a:p>
+                <a:pPr algn="ctr"/>
+                <a:endParaRPr lang="de-DE"/>
+              </a:p>
+            </p:txBody>
+          </p:sp>
+          <p:sp>
+            <p:nvSpPr>
+              <p:cNvPr id="70" name="Textfeld 69"/>
+              <p:cNvSpPr txBox="1"/>
+              <p:nvPr/>
+            </p:nvSpPr>
+            <p:spPr>
+              <a:xfrm>
+                <a:off x="4455275" y="2877317"/>
+                <a:ext cx="325730" cy="523220"/>
+              </a:xfrm>
+              <a:prstGeom prst="rect">
+                <a:avLst/>
+              </a:prstGeom>
+              <a:noFill/>
+            </p:spPr>
+            <p:txBody>
+              <a:bodyPr wrap="none" rtlCol="0">
+                <a:spAutoFit/>
+              </a:bodyPr>
+              <a:lstStyle/>
+              <a:p>
+                <a:r>
+                  <a:rPr lang="de-DE" sz="2800" dirty="0" smtClean="0"/>
+                  <a:t>z</a:t>
+                </a:r>
+                <a:endParaRPr lang="de-DE" sz="2800" dirty="0"/>
+              </a:p>
+            </p:txBody>
+          </p:sp>
+          <p:sp>
+            <p:nvSpPr>
+              <p:cNvPr id="71" name="Textfeld 70"/>
+              <p:cNvSpPr txBox="1"/>
+              <p:nvPr/>
+            </p:nvSpPr>
+            <p:spPr>
+              <a:xfrm>
+                <a:off x="5508104" y="2916235"/>
+                <a:ext cx="504056" cy="523220"/>
+              </a:xfrm>
+              <a:prstGeom prst="rect">
+                <a:avLst/>
+              </a:prstGeom>
+              <a:noFill/>
+              <a:ln w="19050">
+                <a:solidFill>
+                  <a:schemeClr val="tx1"/>
+                </a:solidFill>
+              </a:ln>
+            </p:spPr>
+            <p:txBody>
+              <a:bodyPr wrap="square" rtlCol="0" anchor="ctr" anchorCtr="0">
+                <a:spAutoFit/>
+              </a:bodyPr>
+              <a:lstStyle/>
+              <a:p>
+                <a:r>
+                  <a:rPr lang="de-DE" sz="2800" dirty="0" smtClean="0"/>
+                  <a:t> f</a:t>
+                </a:r>
+              </a:p>
+            </p:txBody>
+          </p:sp>
+          <p:cxnSp>
+            <p:nvCxnSpPr>
+              <p:cNvPr id="76" name="Gerade Verbindung 75"/>
+              <p:cNvCxnSpPr>
+                <a:stCxn id="69" idx="6"/>
+                <a:endCxn id="71" idx="1"/>
+              </p:cNvCxnSpPr>
+              <p:nvPr/>
+            </p:nvCxnSpPr>
+            <p:spPr>
+              <a:xfrm>
+                <a:off x="4962844" y="3176972"/>
+                <a:ext cx="545260" cy="873"/>
+              </a:xfrm>
+              <a:prstGeom prst="line">
+                <a:avLst/>
+              </a:prstGeom>
+              <a:ln w="19050">
+                <a:solidFill>
+                  <a:schemeClr val="tx1"/>
+                </a:solidFill>
+              </a:ln>
+            </p:spPr>
+            <p:style>
+              <a:lnRef idx="1">
+                <a:schemeClr val="accent1"/>
+              </a:lnRef>
+              <a:fillRef idx="0">
+                <a:schemeClr val="accent1"/>
+              </a:fillRef>
+              <a:effectRef idx="0">
+                <a:schemeClr val="accent1"/>
+              </a:effectRef>
+              <a:fontRef idx="minor">
+                <a:schemeClr val="tx1"/>
+              </a:fontRef>
+            </p:style>
+          </p:cxnSp>
+          <p:cxnSp>
+            <p:nvCxnSpPr>
+              <p:cNvPr id="79" name="Gerade Verbindung 78"/>
+              <p:cNvCxnSpPr/>
+              <p:nvPr/>
+            </p:nvCxnSpPr>
+            <p:spPr>
+              <a:xfrm>
+                <a:off x="6012160" y="3184513"/>
+                <a:ext cx="432048" cy="0"/>
+              </a:xfrm>
+              <a:prstGeom prst="line">
+                <a:avLst/>
+              </a:prstGeom>
+              <a:ln w="19050">
+                <a:solidFill>
+                  <a:schemeClr val="tx1"/>
+                </a:solidFill>
+                <a:tailEnd type="oval"/>
+              </a:ln>
+            </p:spPr>
+            <p:style>
+              <a:lnRef idx="1">
+                <a:schemeClr val="accent1"/>
+              </a:lnRef>
+              <a:fillRef idx="0">
+                <a:schemeClr val="accent1"/>
+              </a:fillRef>
+              <a:effectRef idx="0">
+                <a:schemeClr val="accent1"/>
+              </a:effectRef>
+              <a:fontRef idx="minor">
+                <a:schemeClr val="tx1"/>
+              </a:fontRef>
+            </p:style>
+          </p:cxnSp>
+          <p:sp>
+            <p:nvSpPr>
+              <p:cNvPr id="80" name="Textfeld 79"/>
+              <p:cNvSpPr txBox="1"/>
+              <p:nvPr/>
+            </p:nvSpPr>
+            <p:spPr>
+              <a:xfrm>
+                <a:off x="6029578" y="2824473"/>
+                <a:ext cx="343364" cy="369332"/>
+              </a:xfrm>
+              <a:prstGeom prst="rect">
+                <a:avLst/>
+              </a:prstGeom>
+              <a:noFill/>
+            </p:spPr>
+            <p:txBody>
+              <a:bodyPr wrap="none" rtlCol="0">
+                <a:spAutoFit/>
+              </a:bodyPr>
+              <a:lstStyle/>
+              <a:p>
+                <a:r>
+                  <a:rPr lang="de-DE" dirty="0" err="1" smtClean="0"/>
+                  <a:t>p</a:t>
+                </a:r>
+                <a:r>
+                  <a:rPr lang="de-DE" baseline="-25000" dirty="0" err="1" smtClean="0"/>
+                  <a:t>j</a:t>
+                </a:r>
+                <a:endParaRPr lang="de-DE" baseline="-25000" dirty="0"/>
+              </a:p>
+            </p:txBody>
+          </p:sp>
+        </p:grpSp>
+        <p:grpSp>
+          <p:nvGrpSpPr>
+            <p:cNvPr id="81" name="Gruppieren 80"/>
+            <p:cNvGrpSpPr/>
+            <p:nvPr/>
+          </p:nvGrpSpPr>
+          <p:grpSpPr>
+            <a:xfrm>
+              <a:off x="3110777" y="3638757"/>
+              <a:ext cx="365552" cy="349007"/>
+              <a:chOff x="8028384" y="3068960"/>
+              <a:chExt cx="365552" cy="349007"/>
+            </a:xfrm>
+          </p:grpSpPr>
+          <p:sp>
+            <p:nvSpPr>
+              <p:cNvPr id="82" name="Gleichschenkliges Dreieck 81"/>
+              <p:cNvSpPr/>
+              <p:nvPr/>
+            </p:nvSpPr>
+            <p:spPr>
+              <a:xfrm rot="10800000">
+                <a:off x="8028384" y="3068960"/>
+                <a:ext cx="216024" cy="216024"/>
+              </a:xfrm>
+              <a:prstGeom prst="triangle">
+                <a:avLst/>
+              </a:prstGeom>
+              <a:noFill/>
+              <a:ln w="19050">
+                <a:solidFill>
+                  <a:schemeClr val="tx1"/>
+                </a:solidFill>
+              </a:ln>
+            </p:spPr>
+            <p:style>
+              <a:lnRef idx="2">
+                <a:schemeClr val="accent1">
+                  <a:shade val="50000"/>
+                </a:schemeClr>
+              </a:lnRef>
+              <a:fillRef idx="1">
+                <a:schemeClr val="accent1"/>
+              </a:fillRef>
+              <a:effectRef idx="0">
+                <a:schemeClr val="accent1"/>
+              </a:effectRef>
+              <a:fontRef idx="minor">
+                <a:schemeClr val="lt1"/>
+              </a:fontRef>
+            </p:style>
+            <p:txBody>
+              <a:bodyPr rtlCol="0" anchor="ctr"/>
+              <a:lstStyle/>
+              <a:p>
+                <a:pPr algn="ctr"/>
+                <a:endParaRPr lang="de-DE"/>
+              </a:p>
+            </p:txBody>
+          </p:sp>
+          <p:sp>
+            <p:nvSpPr>
+              <p:cNvPr id="83" name="Textfeld 82"/>
+              <p:cNvSpPr txBox="1"/>
+              <p:nvPr/>
+            </p:nvSpPr>
+            <p:spPr>
+              <a:xfrm>
+                <a:off x="8172400" y="3140968"/>
+                <a:ext cx="221536" cy="276999"/>
+              </a:xfrm>
+              <a:prstGeom prst="rect">
+                <a:avLst/>
+              </a:prstGeom>
+              <a:noFill/>
+            </p:spPr>
+            <p:txBody>
+              <a:bodyPr wrap="none" rtlCol="0">
+                <a:spAutoFit/>
+              </a:bodyPr>
+              <a:lstStyle/>
+              <a:p>
+                <a:r>
+                  <a:rPr lang="de-DE" sz="1200" dirty="0" smtClean="0"/>
+                  <a:t>j</a:t>
+                </a:r>
+                <a:endParaRPr lang="de-DE" sz="1200" dirty="0"/>
+              </a:p>
+            </p:txBody>
+          </p:sp>
+        </p:grpSp>
+      </p:grpSp>
     </p:spTree>
   </p:cSld>
   <p:clrMapOvr>
